--- a/docs/res/overview.pptx
+++ b/docs/res/overview.pptx
@@ -6,6 +6,7 @@
   </p:sldMasterIdLst>
   <p:sldIdLst>
     <p:sldId id="435" r:id="rId2"/>
+    <p:sldId id="436" r:id="rId3"/>
   </p:sldIdLst>
   <p:sldSz cx="12192000" cy="10799763"/>
   <p:notesSz cx="6858000" cy="9144000"/>
@@ -104,6 +105,11 @@
       </a:defRPr>
     </a:lvl9pPr>
   </p:defaultTextStyle>
+  <p:extLst>
+    <p:ext uri="{EFAFB233-063F-42B5-8137-9DF3F51BA10A}">
+      <p15:sldGuideLst xmlns:p15="http://schemas.microsoft.com/office/powerpoint/2012/main"/>
+    </p:ext>
+  </p:extLst>
 </p:presentation>
 </file>
 
@@ -238,7 +244,7 @@
           <a:p>
             <a:fld id="{1328611B-DBDA-3041-9E05-96218F559972}" type="datetimeFigureOut">
               <a:rPr lang="en-US" smtClean="0"/>
-              <a:t>2/11/22</a:t>
+              <a:t>3/15/25</a:t>
             </a:fld>
             <a:endParaRPr lang="en-US"/>
           </a:p>
@@ -408,7 +414,7 @@
           <a:p>
             <a:fld id="{1328611B-DBDA-3041-9E05-96218F559972}" type="datetimeFigureOut">
               <a:rPr lang="en-US" smtClean="0"/>
-              <a:t>2/11/22</a:t>
+              <a:t>3/15/25</a:t>
             </a:fld>
             <a:endParaRPr lang="en-US"/>
           </a:p>
@@ -588,7 +594,7 @@
           <a:p>
             <a:fld id="{1328611B-DBDA-3041-9E05-96218F559972}" type="datetimeFigureOut">
               <a:rPr lang="en-US" smtClean="0"/>
-              <a:t>2/11/22</a:t>
+              <a:t>3/15/25</a:t>
             </a:fld>
             <a:endParaRPr lang="en-US"/>
           </a:p>
@@ -788,7 +794,7 @@
           <a:p>
             <a:fld id="{1328611B-DBDA-3041-9E05-96218F559972}" type="datetimeFigureOut">
               <a:rPr lang="en-US" smtClean="0"/>
-              <a:t>2/11/22</a:t>
+              <a:t>3/15/25</a:t>
             </a:fld>
             <a:endParaRPr lang="en-US"/>
           </a:p>
@@ -1032,7 +1038,7 @@
           <a:p>
             <a:fld id="{1328611B-DBDA-3041-9E05-96218F559972}" type="datetimeFigureOut">
               <a:rPr lang="en-US" smtClean="0"/>
-              <a:t>2/11/22</a:t>
+              <a:t>3/15/25</a:t>
             </a:fld>
             <a:endParaRPr lang="en-US"/>
           </a:p>
@@ -1264,7 +1270,7 @@
           <a:p>
             <a:fld id="{1328611B-DBDA-3041-9E05-96218F559972}" type="datetimeFigureOut">
               <a:rPr lang="en-US" smtClean="0"/>
-              <a:t>2/11/22</a:t>
+              <a:t>3/15/25</a:t>
             </a:fld>
             <a:endParaRPr lang="en-US"/>
           </a:p>
@@ -1631,7 +1637,7 @@
           <a:p>
             <a:fld id="{1328611B-DBDA-3041-9E05-96218F559972}" type="datetimeFigureOut">
               <a:rPr lang="en-US" smtClean="0"/>
-              <a:t>2/11/22</a:t>
+              <a:t>3/15/25</a:t>
             </a:fld>
             <a:endParaRPr lang="en-US"/>
           </a:p>
@@ -1749,7 +1755,7 @@
           <a:p>
             <a:fld id="{1328611B-DBDA-3041-9E05-96218F559972}" type="datetimeFigureOut">
               <a:rPr lang="en-US" smtClean="0"/>
-              <a:t>2/11/22</a:t>
+              <a:t>3/15/25</a:t>
             </a:fld>
             <a:endParaRPr lang="en-US"/>
           </a:p>
@@ -1844,7 +1850,7 @@
           <a:p>
             <a:fld id="{1328611B-DBDA-3041-9E05-96218F559972}" type="datetimeFigureOut">
               <a:rPr lang="en-US" smtClean="0"/>
-              <a:t>2/11/22</a:t>
+              <a:t>3/15/25</a:t>
             </a:fld>
             <a:endParaRPr lang="en-US"/>
           </a:p>
@@ -2121,7 +2127,7 @@
           <a:p>
             <a:fld id="{1328611B-DBDA-3041-9E05-96218F559972}" type="datetimeFigureOut">
               <a:rPr lang="en-US" smtClean="0"/>
-              <a:t>2/11/22</a:t>
+              <a:t>3/15/25</a:t>
             </a:fld>
             <a:endParaRPr lang="en-US"/>
           </a:p>
@@ -2378,7 +2384,7 @@
           <a:p>
             <a:fld id="{1328611B-DBDA-3041-9E05-96218F559972}" type="datetimeFigureOut">
               <a:rPr lang="en-US" smtClean="0"/>
-              <a:t>2/11/22</a:t>
+              <a:t>3/15/25</a:t>
             </a:fld>
             <a:endParaRPr lang="en-US"/>
           </a:p>
@@ -2591,7 +2597,7 @@
           <a:p>
             <a:fld id="{1328611B-DBDA-3041-9E05-96218F559972}" type="datetimeFigureOut">
               <a:rPr lang="en-US" smtClean="0"/>
-              <a:t>2/11/22</a:t>
+              <a:t>3/15/25</a:t>
             </a:fld>
             <a:endParaRPr lang="en-US"/>
           </a:p>
@@ -5713,6 +5719,4162 @@
 </p:sld>
 </file>
 
+<file path=ppt/slides/slide2.xml><?xml version="1.0" encoding="utf-8"?>
+<p:sld xmlns:a="http://schemas.openxmlformats.org/drawingml/2006/main" xmlns:r="http://schemas.openxmlformats.org/officeDocument/2006/relationships" xmlns:p="http://schemas.openxmlformats.org/presentationml/2006/main">
+  <p:cSld>
+    <p:spTree>
+      <p:nvGrpSpPr>
+        <p:cNvPr id="1" name=""/>
+        <p:cNvGrpSpPr/>
+        <p:nvPr/>
+      </p:nvGrpSpPr>
+      <p:grpSpPr>
+        <a:xfrm>
+          <a:off x="0" y="0"/>
+          <a:ext cx="0" cy="0"/>
+          <a:chOff x="0" y="0"/>
+          <a:chExt cx="0" cy="0"/>
+        </a:xfrm>
+      </p:grpSpPr>
+      <p:grpSp>
+        <p:nvGrpSpPr>
+          <p:cNvPr id="72" name="Gruppieren 10">
+            <a:extLst>
+              <a:ext uri="{FF2B5EF4-FFF2-40B4-BE49-F238E27FC236}">
+                <a16:creationId xmlns:a16="http://schemas.microsoft.com/office/drawing/2014/main" id="{57439883-12A0-BC42-9084-4EA6B9D9031A}"/>
+              </a:ext>
+            </a:extLst>
+          </p:cNvPr>
+          <p:cNvGrpSpPr/>
+          <p:nvPr/>
+        </p:nvGrpSpPr>
+        <p:grpSpPr>
+          <a:xfrm>
+            <a:off x="2858794" y="1064950"/>
+            <a:ext cx="6768288" cy="1668474"/>
+            <a:chOff x="2387477" y="1481590"/>
+            <a:chExt cx="8522825" cy="2100990"/>
+          </a:xfrm>
+        </p:grpSpPr>
+        <p:pic>
+          <p:nvPicPr>
+            <p:cNvPr id="73" name="Grafik 3">
+              <a:extLst>
+                <a:ext uri="{FF2B5EF4-FFF2-40B4-BE49-F238E27FC236}">
+                  <a16:creationId xmlns:a16="http://schemas.microsoft.com/office/drawing/2014/main" id="{34750385-70E0-4441-B38F-57B622A10352}"/>
+                </a:ext>
+              </a:extLst>
+            </p:cNvPr>
+            <p:cNvPicPr>
+              <a:picLocks noChangeAspect="1"/>
+            </p:cNvPicPr>
+            <p:nvPr/>
+          </p:nvPicPr>
+          <p:blipFill>
+            <a:blip r:embed="rId2" cstate="email">
+              <a:extLst>
+                <a:ext uri="{28A0092B-C50C-407E-A947-70E740481C1C}">
+                  <a14:useLocalDpi xmlns:a14="http://schemas.microsoft.com/office/drawing/2010/main"/>
+                </a:ext>
+              </a:extLst>
+            </a:blip>
+            <a:stretch>
+              <a:fillRect/>
+            </a:stretch>
+          </p:blipFill>
+          <p:spPr>
+            <a:xfrm>
+              <a:off x="2714959" y="2078416"/>
+              <a:ext cx="1006708" cy="1006708"/>
+            </a:xfrm>
+            <a:prstGeom prst="rect">
+              <a:avLst/>
+            </a:prstGeom>
+          </p:spPr>
+        </p:pic>
+        <p:grpSp>
+          <p:nvGrpSpPr>
+            <p:cNvPr id="74" name="Gruppieren 28">
+              <a:extLst>
+                <a:ext uri="{FF2B5EF4-FFF2-40B4-BE49-F238E27FC236}">
+                  <a16:creationId xmlns:a16="http://schemas.microsoft.com/office/drawing/2014/main" id="{2B4E8AA9-B1B0-AB43-8CA8-EA4E8BCCE757}"/>
+                </a:ext>
+              </a:extLst>
+            </p:cNvPr>
+            <p:cNvGrpSpPr/>
+            <p:nvPr/>
+          </p:nvGrpSpPr>
+          <p:grpSpPr>
+            <a:xfrm>
+              <a:off x="4971973" y="2078416"/>
+              <a:ext cx="1006708" cy="1006708"/>
+              <a:chOff x="3966122" y="2139581"/>
+              <a:chExt cx="1006708" cy="1006708"/>
+            </a:xfrm>
+          </p:grpSpPr>
+          <p:pic>
+            <p:nvPicPr>
+              <p:cNvPr id="92" name="Grafik 5">
+                <a:extLst>
+                  <a:ext uri="{FF2B5EF4-FFF2-40B4-BE49-F238E27FC236}">
+                    <a16:creationId xmlns:a16="http://schemas.microsoft.com/office/drawing/2014/main" id="{6C397981-CDEE-3342-AFCE-8F246BB135CF}"/>
+                  </a:ext>
+                </a:extLst>
+              </p:cNvPr>
+              <p:cNvPicPr>
+                <a:picLocks noChangeAspect="1"/>
+              </p:cNvPicPr>
+              <p:nvPr/>
+            </p:nvPicPr>
+            <p:blipFill>
+              <a:blip r:embed="rId2" cstate="email">
+                <a:extLst>
+                  <a:ext uri="{28A0092B-C50C-407E-A947-70E740481C1C}">
+                    <a14:useLocalDpi xmlns:a14="http://schemas.microsoft.com/office/drawing/2010/main"/>
+                  </a:ext>
+                </a:extLst>
+              </a:blip>
+              <a:stretch>
+                <a:fillRect/>
+              </a:stretch>
+            </p:blipFill>
+            <p:spPr>
+              <a:xfrm>
+                <a:off x="3966122" y="2139581"/>
+                <a:ext cx="1006708" cy="1006708"/>
+              </a:xfrm>
+              <a:prstGeom prst="rect">
+                <a:avLst/>
+              </a:prstGeom>
+            </p:spPr>
+          </p:pic>
+          <p:sp>
+            <p:nvSpPr>
+              <p:cNvPr id="93" name="Rechteck 6">
+                <a:extLst>
+                  <a:ext uri="{FF2B5EF4-FFF2-40B4-BE49-F238E27FC236}">
+                    <a16:creationId xmlns:a16="http://schemas.microsoft.com/office/drawing/2014/main" id="{CFCEC086-FC54-8F43-84F5-A31DA9D5B0C5}"/>
+                  </a:ext>
+                </a:extLst>
+              </p:cNvPr>
+              <p:cNvSpPr/>
+              <p:nvPr/>
+            </p:nvSpPr>
+            <p:spPr>
+              <a:xfrm>
+                <a:off x="4288268" y="2599725"/>
+                <a:ext cx="609600" cy="282576"/>
+              </a:xfrm>
+              <a:prstGeom prst="rect">
+                <a:avLst/>
+              </a:prstGeom>
+              <a:solidFill>
+                <a:sysClr val="window" lastClr="FFFFFF"/>
+              </a:solidFill>
+              <a:ln w="25400" cap="flat" cmpd="sng" algn="ctr">
+                <a:noFill/>
+                <a:prstDash val="solid"/>
+              </a:ln>
+              <a:effectLst/>
+            </p:spPr>
+            <p:txBody>
+              <a:bodyPr rtlCol="0" anchor="ctr"/>
+              <a:lstStyle/>
+              <a:p>
+                <a:pPr marL="0" marR="0" lvl="0" indent="0" algn="ctr" defTabSz="914400" eaLnBrk="1" fontAlgn="auto" latinLnBrk="0" hangingPunct="1">
+                  <a:lnSpc>
+                    <a:spcPct val="100000"/>
+                  </a:lnSpc>
+                  <a:spcBef>
+                    <a:spcPts val="0"/>
+                  </a:spcBef>
+                  <a:spcAft>
+                    <a:spcPts val="0"/>
+                  </a:spcAft>
+                  <a:buClr>
+                    <a:srgbClr val="000000"/>
+                  </a:buClr>
+                  <a:buSzTx/>
+                  <a:buFont typeface="Arial"/>
+                  <a:buNone/>
+                  <a:tabLst/>
+                  <a:defRPr/>
+                </a:pPr>
+                <a:endParaRPr kumimoji="0" lang="en-GB" sz="1050" b="0" i="0" u="none" strike="noStrike" kern="0" cap="none" spc="0" normalizeH="0" baseline="0" noProof="0">
+                  <a:ln>
+                    <a:noFill/>
+                  </a:ln>
+                  <a:solidFill>
+                    <a:srgbClr val="FFFFFF"/>
+                  </a:solidFill>
+                  <a:effectLst/>
+                  <a:uLnTx/>
+                  <a:uFillTx/>
+                  <a:latin typeface="Arial"/>
+                  <a:ea typeface="+mn-ea"/>
+                  <a:cs typeface="+mn-cs"/>
+                  <a:sym typeface="Arial"/>
+                </a:endParaRPr>
+              </a:p>
+            </p:txBody>
+          </p:sp>
+          <p:pic>
+            <p:nvPicPr>
+              <p:cNvPr id="94" name="Grafik 4">
+                <a:extLst>
+                  <a:ext uri="{FF2B5EF4-FFF2-40B4-BE49-F238E27FC236}">
+                    <a16:creationId xmlns:a16="http://schemas.microsoft.com/office/drawing/2014/main" id="{9956D41F-66D6-9C4C-AFEE-8FE6DA7F1F7E}"/>
+                  </a:ext>
+                </a:extLst>
+              </p:cNvPr>
+              <p:cNvPicPr>
+                <a:picLocks noChangeAspect="1"/>
+              </p:cNvPicPr>
+              <p:nvPr/>
+            </p:nvPicPr>
+            <p:blipFill rotWithShape="1">
+              <a:blip r:embed="rId3" cstate="email">
+                <a:extLst>
+                  <a:ext uri="{28A0092B-C50C-407E-A947-70E740481C1C}">
+                    <a14:useLocalDpi xmlns:a14="http://schemas.microsoft.com/office/drawing/2010/main"/>
+                  </a:ext>
+                </a:extLst>
+              </a:blip>
+              <a:srcRect/>
+              <a:stretch/>
+            </p:blipFill>
+            <p:spPr>
+              <a:xfrm>
+                <a:off x="4403383" y="2599725"/>
+                <a:ext cx="373836" cy="282576"/>
+              </a:xfrm>
+              <a:prstGeom prst="rect">
+                <a:avLst/>
+              </a:prstGeom>
+            </p:spPr>
+          </p:pic>
+        </p:grpSp>
+        <p:grpSp>
+          <p:nvGrpSpPr>
+            <p:cNvPr id="75" name="Gruppieren 19">
+              <a:extLst>
+                <a:ext uri="{FF2B5EF4-FFF2-40B4-BE49-F238E27FC236}">
+                  <a16:creationId xmlns:a16="http://schemas.microsoft.com/office/drawing/2014/main" id="{DD0BE1A2-B027-9D49-AF1E-11EE53CE9E2D}"/>
+                </a:ext>
+              </a:extLst>
+            </p:cNvPr>
+            <p:cNvGrpSpPr/>
+            <p:nvPr/>
+          </p:nvGrpSpPr>
+          <p:grpSpPr>
+            <a:xfrm>
+              <a:off x="3730014" y="1860963"/>
+              <a:ext cx="1195385" cy="818885"/>
+              <a:chOff x="2440261" y="2184851"/>
+              <a:chExt cx="1195385" cy="818885"/>
+            </a:xfrm>
+          </p:grpSpPr>
+          <p:sp>
+            <p:nvSpPr>
+              <p:cNvPr id="90" name="Rechteckiger Pfeil 17">
+                <a:extLst>
+                  <a:ext uri="{FF2B5EF4-FFF2-40B4-BE49-F238E27FC236}">
+                    <a16:creationId xmlns:a16="http://schemas.microsoft.com/office/drawing/2014/main" id="{1713BEDA-DFFD-224E-B190-670DB297A177}"/>
+                  </a:ext>
+                </a:extLst>
+              </p:cNvPr>
+              <p:cNvSpPr/>
+              <p:nvPr/>
+            </p:nvSpPr>
+            <p:spPr>
+              <a:xfrm rot="2627066">
+                <a:off x="2717449" y="2473510"/>
+                <a:ext cx="596900" cy="530226"/>
+              </a:xfrm>
+              <a:prstGeom prst="bentArrow">
+                <a:avLst>
+                  <a:gd name="adj1" fmla="val 22410"/>
+                  <a:gd name="adj2" fmla="val 25000"/>
+                  <a:gd name="adj3" fmla="val 25000"/>
+                  <a:gd name="adj4" fmla="val 78480"/>
+                </a:avLst>
+              </a:prstGeom>
+              <a:solidFill>
+                <a:srgbClr val="4F81BD"/>
+              </a:solidFill>
+              <a:ln w="25400" cap="flat" cmpd="sng" algn="ctr">
+                <a:solidFill>
+                  <a:srgbClr val="4F81BD">
+                    <a:shade val="50000"/>
+                  </a:srgbClr>
+                </a:solidFill>
+                <a:prstDash val="solid"/>
+              </a:ln>
+              <a:effectLst/>
+            </p:spPr>
+            <p:txBody>
+              <a:bodyPr rtlCol="0" anchor="ctr"/>
+              <a:lstStyle/>
+              <a:p>
+                <a:pPr marL="0" marR="0" lvl="0" indent="0" algn="ctr" defTabSz="914400" eaLnBrk="1" fontAlgn="auto" latinLnBrk="0" hangingPunct="1">
+                  <a:lnSpc>
+                    <a:spcPct val="100000"/>
+                  </a:lnSpc>
+                  <a:spcBef>
+                    <a:spcPts val="0"/>
+                  </a:spcBef>
+                  <a:spcAft>
+                    <a:spcPts val="0"/>
+                  </a:spcAft>
+                  <a:buClr>
+                    <a:srgbClr val="000000"/>
+                  </a:buClr>
+                  <a:buSzTx/>
+                  <a:buFont typeface="Arial"/>
+                  <a:buNone/>
+                  <a:tabLst/>
+                  <a:defRPr/>
+                </a:pPr>
+                <a:endParaRPr kumimoji="0" lang="en-GB" sz="1050" b="0" i="0" u="none" strike="noStrike" kern="0" cap="none" spc="0" normalizeH="0" baseline="0" noProof="0">
+                  <a:ln>
+                    <a:noFill/>
+                  </a:ln>
+                  <a:solidFill>
+                    <a:srgbClr val="000000"/>
+                  </a:solidFill>
+                  <a:effectLst/>
+                  <a:uLnTx/>
+                  <a:uFillTx/>
+                  <a:latin typeface="Arial"/>
+                  <a:ea typeface="+mn-ea"/>
+                  <a:cs typeface="+mn-cs"/>
+                  <a:sym typeface="Arial"/>
+                </a:endParaRPr>
+              </a:p>
+            </p:txBody>
+          </p:sp>
+          <p:sp>
+            <p:nvSpPr>
+              <p:cNvPr id="91" name="Textfeld 18">
+                <a:extLst>
+                  <a:ext uri="{FF2B5EF4-FFF2-40B4-BE49-F238E27FC236}">
+                    <a16:creationId xmlns:a16="http://schemas.microsoft.com/office/drawing/2014/main" id="{AA7F3142-9888-F644-BA87-849C8D7FDD0B}"/>
+                  </a:ext>
+                </a:extLst>
+              </p:cNvPr>
+              <p:cNvSpPr txBox="1"/>
+              <p:nvPr/>
+            </p:nvSpPr>
+            <p:spPr>
+              <a:xfrm>
+                <a:off x="2440261" y="2184851"/>
+                <a:ext cx="1195385" cy="329427"/>
+              </a:xfrm>
+              <a:prstGeom prst="rect">
+                <a:avLst/>
+              </a:prstGeom>
+              <a:noFill/>
+            </p:spPr>
+            <p:txBody>
+              <a:bodyPr wrap="none" rtlCol="0">
+                <a:spAutoFit/>
+              </a:bodyPr>
+              <a:lstStyle/>
+              <a:p>
+                <a:pPr marL="0" marR="0" lvl="0" indent="0" defTabSz="914400" eaLnBrk="1" fontAlgn="auto" latinLnBrk="0" hangingPunct="1">
+                  <a:lnSpc>
+                    <a:spcPct val="100000"/>
+                  </a:lnSpc>
+                  <a:spcBef>
+                    <a:spcPts val="0"/>
+                  </a:spcBef>
+                  <a:spcAft>
+                    <a:spcPts val="0"/>
+                  </a:spcAft>
+                  <a:buClr>
+                    <a:srgbClr val="000000"/>
+                  </a:buClr>
+                  <a:buSzTx/>
+                  <a:buFont typeface="Arial"/>
+                  <a:buNone/>
+                  <a:tabLst/>
+                  <a:defRPr/>
+                </a:pPr>
+                <a:r>
+                  <a:rPr kumimoji="0" lang="en-GB" sz="1050" b="0" i="0" u="none" strike="noStrike" kern="0" cap="none" spc="0" normalizeH="0" baseline="0" noProof="0" dirty="0">
+                    <a:ln>
+                      <a:noFill/>
+                    </a:ln>
+                    <a:solidFill>
+                      <a:srgbClr val="000000"/>
+                    </a:solidFill>
+                    <a:effectLst/>
+                    <a:uLnTx/>
+                    <a:uFillTx/>
+                    <a:latin typeface="Menlo" panose="020B0609030804020204" pitchFamily="49" charset="0"/>
+                    <a:ea typeface="Menlo" panose="020B0609030804020204" pitchFamily="49" charset="0"/>
+                    <a:cs typeface="Menlo" panose="020B0609030804020204" pitchFamily="49" charset="0"/>
+                    <a:sym typeface="Arial"/>
+                  </a:rPr>
+                  <a:t>soya </a:t>
+                </a:r>
+                <a:r>
+                  <a:rPr kumimoji="0" lang="en-GB" sz="1050" b="0" i="0" u="none" strike="noStrike" kern="0" cap="none" spc="0" normalizeH="0" baseline="0" noProof="0" dirty="0" err="1">
+                    <a:ln>
+                      <a:noFill/>
+                    </a:ln>
+                    <a:solidFill>
+                      <a:srgbClr val="000000"/>
+                    </a:solidFill>
+                    <a:effectLst/>
+                    <a:uLnTx/>
+                    <a:uFillTx/>
+                    <a:latin typeface="Menlo" panose="020B0609030804020204" pitchFamily="49" charset="0"/>
+                    <a:ea typeface="Menlo" panose="020B0609030804020204" pitchFamily="49" charset="0"/>
+                    <a:cs typeface="Menlo" panose="020B0609030804020204" pitchFamily="49" charset="0"/>
+                    <a:sym typeface="Arial"/>
+                  </a:rPr>
+                  <a:t>init</a:t>
+                </a:r>
+                <a:endParaRPr kumimoji="0" lang="en-GB" sz="1050" b="0" i="0" u="none" strike="noStrike" kern="0" cap="none" spc="0" normalizeH="0" baseline="0" noProof="0" dirty="0">
+                  <a:ln>
+                    <a:noFill/>
+                  </a:ln>
+                  <a:solidFill>
+                    <a:srgbClr val="000000"/>
+                  </a:solidFill>
+                  <a:effectLst/>
+                  <a:uLnTx/>
+                  <a:uFillTx/>
+                  <a:latin typeface="Menlo" panose="020B0609030804020204" pitchFamily="49" charset="0"/>
+                  <a:ea typeface="Menlo" panose="020B0609030804020204" pitchFamily="49" charset="0"/>
+                  <a:cs typeface="Menlo" panose="020B0609030804020204" pitchFamily="49" charset="0"/>
+                  <a:sym typeface="Arial"/>
+                </a:endParaRPr>
+              </a:p>
+            </p:txBody>
+          </p:sp>
+        </p:grpSp>
+        <p:sp>
+          <p:nvSpPr>
+            <p:cNvPr id="76" name="Rechteckiger Pfeil 20">
+              <a:extLst>
+                <a:ext uri="{FF2B5EF4-FFF2-40B4-BE49-F238E27FC236}">
+                  <a16:creationId xmlns:a16="http://schemas.microsoft.com/office/drawing/2014/main" id="{7E22E53B-2FF5-0F4A-8744-C452FCC53950}"/>
+                </a:ext>
+              </a:extLst>
+            </p:cNvPr>
+            <p:cNvSpPr/>
+            <p:nvPr/>
+          </p:nvSpPr>
+          <p:spPr>
+            <a:xfrm rot="2627066">
+              <a:off x="6374259" y="1663345"/>
+              <a:ext cx="754753" cy="714995"/>
+            </a:xfrm>
+            <a:prstGeom prst="bentArrow">
+              <a:avLst>
+                <a:gd name="adj1" fmla="val 13834"/>
+                <a:gd name="adj2" fmla="val 15108"/>
+                <a:gd name="adj3" fmla="val 18107"/>
+                <a:gd name="adj4" fmla="val 84248"/>
+              </a:avLst>
+            </a:prstGeom>
+            <a:solidFill>
+              <a:srgbClr val="4F81BD"/>
+            </a:solidFill>
+            <a:ln w="25400" cap="flat" cmpd="sng" algn="ctr">
+              <a:solidFill>
+                <a:srgbClr val="4F81BD">
+                  <a:shade val="50000"/>
+                </a:srgbClr>
+              </a:solidFill>
+              <a:prstDash val="solid"/>
+            </a:ln>
+            <a:effectLst/>
+          </p:spPr>
+          <p:txBody>
+            <a:bodyPr rtlCol="0" anchor="ctr"/>
+            <a:lstStyle/>
+            <a:p>
+              <a:pPr marL="0" marR="0" lvl="0" indent="0" algn="ctr" defTabSz="914400" eaLnBrk="1" fontAlgn="auto" latinLnBrk="0" hangingPunct="1">
+                <a:lnSpc>
+                  <a:spcPct val="100000"/>
+                </a:lnSpc>
+                <a:spcBef>
+                  <a:spcPts val="0"/>
+                </a:spcBef>
+                <a:spcAft>
+                  <a:spcPts val="0"/>
+                </a:spcAft>
+                <a:buClr>
+                  <a:srgbClr val="000000"/>
+                </a:buClr>
+                <a:buSzTx/>
+                <a:buFont typeface="Arial"/>
+                <a:buNone/>
+                <a:tabLst/>
+                <a:defRPr/>
+              </a:pPr>
+              <a:endParaRPr kumimoji="0" lang="en-GB" sz="1050" b="0" i="0" u="none" strike="noStrike" kern="0" cap="none" spc="0" normalizeH="0" baseline="0" noProof="0">
+                <a:ln>
+                  <a:noFill/>
+                </a:ln>
+                <a:solidFill>
+                  <a:srgbClr val="000000"/>
+                </a:solidFill>
+                <a:effectLst/>
+                <a:uLnTx/>
+                <a:uFillTx/>
+                <a:latin typeface="Arial"/>
+                <a:ea typeface="+mn-ea"/>
+                <a:cs typeface="+mn-cs"/>
+                <a:sym typeface="Arial"/>
+              </a:endParaRPr>
+            </a:p>
+          </p:txBody>
+        </p:sp>
+        <p:sp>
+          <p:nvSpPr>
+            <p:cNvPr id="77" name="Textfeld 21">
+              <a:extLst>
+                <a:ext uri="{FF2B5EF4-FFF2-40B4-BE49-F238E27FC236}">
+                  <a16:creationId xmlns:a16="http://schemas.microsoft.com/office/drawing/2014/main" id="{41490672-ECD9-574B-A367-F4FD8D0957C4}"/>
+                </a:ext>
+              </a:extLst>
+            </p:cNvPr>
+            <p:cNvSpPr txBox="1"/>
+            <p:nvPr/>
+          </p:nvSpPr>
+          <p:spPr>
+            <a:xfrm>
+              <a:off x="6153944" y="1489912"/>
+              <a:ext cx="1195384" cy="329427"/>
+            </a:xfrm>
+            <a:prstGeom prst="rect">
+              <a:avLst/>
+            </a:prstGeom>
+            <a:noFill/>
+          </p:spPr>
+          <p:txBody>
+            <a:bodyPr wrap="none" rtlCol="0">
+              <a:spAutoFit/>
+            </a:bodyPr>
+            <a:lstStyle/>
+            <a:p>
+              <a:pPr marL="0" marR="0" lvl="0" indent="0" algn="ctr" defTabSz="914400" eaLnBrk="1" fontAlgn="auto" latinLnBrk="0" hangingPunct="1">
+                <a:lnSpc>
+                  <a:spcPct val="100000"/>
+                </a:lnSpc>
+                <a:spcBef>
+                  <a:spcPts val="0"/>
+                </a:spcBef>
+                <a:spcAft>
+                  <a:spcPts val="0"/>
+                </a:spcAft>
+                <a:buClr>
+                  <a:srgbClr val="000000"/>
+                </a:buClr>
+                <a:buSzTx/>
+                <a:buFont typeface="Arial"/>
+                <a:buNone/>
+                <a:tabLst/>
+                <a:defRPr/>
+              </a:pPr>
+              <a:r>
+                <a:rPr kumimoji="0" lang="en-GB" sz="1050" b="0" i="0" u="none" strike="noStrike" kern="0" cap="none" spc="0" normalizeH="0" baseline="0" noProof="0">
+                  <a:ln>
+                    <a:noFill/>
+                  </a:ln>
+                  <a:solidFill>
+                    <a:srgbClr val="000000"/>
+                  </a:solidFill>
+                  <a:effectLst/>
+                  <a:uLnTx/>
+                  <a:uFillTx/>
+                  <a:latin typeface="Menlo" panose="020B0609030804020204" pitchFamily="49" charset="0"/>
+                  <a:ea typeface="Menlo" panose="020B0609030804020204" pitchFamily="49" charset="0"/>
+                  <a:cs typeface="Menlo" panose="020B0609030804020204" pitchFamily="49" charset="0"/>
+                  <a:sym typeface="Arial"/>
+                </a:rPr>
+                <a:t>soya push</a:t>
+              </a:r>
+            </a:p>
+          </p:txBody>
+        </p:sp>
+        <p:sp>
+          <p:nvSpPr>
+            <p:cNvPr id="78" name="Pfeil nach links und rechts 22">
+              <a:extLst>
+                <a:ext uri="{FF2B5EF4-FFF2-40B4-BE49-F238E27FC236}">
+                  <a16:creationId xmlns:a16="http://schemas.microsoft.com/office/drawing/2014/main" id="{D9ADF5D9-ED26-E042-B71B-4C02CCA34A24}"/>
+                </a:ext>
+              </a:extLst>
+            </p:cNvPr>
+            <p:cNvSpPr/>
+            <p:nvPr/>
+          </p:nvSpPr>
+          <p:spPr>
+            <a:xfrm>
+              <a:off x="6215944" y="2481805"/>
+              <a:ext cx="1039633" cy="201616"/>
+            </a:xfrm>
+            <a:prstGeom prst="leftRightArrow">
+              <a:avLst/>
+            </a:prstGeom>
+            <a:solidFill>
+              <a:srgbClr val="4F81BD"/>
+            </a:solidFill>
+            <a:ln w="25400" cap="flat" cmpd="sng" algn="ctr">
+              <a:solidFill>
+                <a:srgbClr val="4F81BD">
+                  <a:shade val="50000"/>
+                </a:srgbClr>
+              </a:solidFill>
+              <a:prstDash val="solid"/>
+            </a:ln>
+            <a:effectLst/>
+          </p:spPr>
+          <p:txBody>
+            <a:bodyPr rot="0" spcFirstLastPara="0" vertOverflow="overflow" horzOverflow="overflow" vert="horz" wrap="square" lIns="91440" tIns="45720" rIns="91440" bIns="45720" numCol="1" spcCol="0" rtlCol="0" fromWordArt="0" anchor="ctr" anchorCtr="0" forceAA="0" compatLnSpc="1">
+              <a:prstTxWarp prst="textNoShape">
+                <a:avLst/>
+              </a:prstTxWarp>
+              <a:noAutofit/>
+            </a:bodyPr>
+            <a:lstStyle/>
+            <a:p>
+              <a:pPr marL="0" marR="0" lvl="0" indent="0" algn="ctr" defTabSz="914400" eaLnBrk="1" fontAlgn="auto" latinLnBrk="0" hangingPunct="1">
+                <a:lnSpc>
+                  <a:spcPct val="100000"/>
+                </a:lnSpc>
+                <a:spcBef>
+                  <a:spcPts val="0"/>
+                </a:spcBef>
+                <a:spcAft>
+                  <a:spcPts val="0"/>
+                </a:spcAft>
+                <a:buClr>
+                  <a:srgbClr val="000000"/>
+                </a:buClr>
+                <a:buSzTx/>
+                <a:buFont typeface="Arial"/>
+                <a:buNone/>
+                <a:tabLst/>
+                <a:defRPr/>
+              </a:pPr>
+              <a:endParaRPr kumimoji="0" lang="en-GB" sz="1050" b="0" i="0" u="none" strike="noStrike" kern="0" cap="none" spc="0" normalizeH="0" baseline="0" noProof="0">
+                <a:ln>
+                  <a:noFill/>
+                </a:ln>
+                <a:solidFill>
+                  <a:srgbClr val="000000"/>
+                </a:solidFill>
+                <a:effectLst/>
+                <a:uLnTx/>
+                <a:uFillTx/>
+                <a:latin typeface="Arial"/>
+                <a:ea typeface="+mn-ea"/>
+                <a:cs typeface="+mn-cs"/>
+                <a:sym typeface="Arial"/>
+              </a:endParaRPr>
+            </a:p>
+          </p:txBody>
+        </p:sp>
+        <p:sp>
+          <p:nvSpPr>
+            <p:cNvPr id="79" name="Textfeld 23">
+              <a:extLst>
+                <a:ext uri="{FF2B5EF4-FFF2-40B4-BE49-F238E27FC236}">
+                  <a16:creationId xmlns:a16="http://schemas.microsoft.com/office/drawing/2014/main" id="{B58DBE34-507E-4544-AD7A-A22949AC38FE}"/>
+                </a:ext>
+              </a:extLst>
+            </p:cNvPr>
+            <p:cNvSpPr txBox="1"/>
+            <p:nvPr/>
+          </p:nvSpPr>
+          <p:spPr>
+            <a:xfrm>
+              <a:off x="6012826" y="2200941"/>
+              <a:ext cx="1542704" cy="329427"/>
+            </a:xfrm>
+            <a:prstGeom prst="rect">
+              <a:avLst/>
+            </a:prstGeom>
+            <a:noFill/>
+          </p:spPr>
+          <p:txBody>
+            <a:bodyPr wrap="square" rtlCol="0">
+              <a:spAutoFit/>
+            </a:bodyPr>
+            <a:lstStyle/>
+            <a:p>
+              <a:pPr marL="0" marR="0" lvl="0" indent="0" algn="ctr" defTabSz="914400" eaLnBrk="1" fontAlgn="auto" latinLnBrk="0" hangingPunct="1">
+                <a:lnSpc>
+                  <a:spcPct val="100000"/>
+                </a:lnSpc>
+                <a:spcBef>
+                  <a:spcPts val="0"/>
+                </a:spcBef>
+                <a:spcAft>
+                  <a:spcPts val="0"/>
+                </a:spcAft>
+                <a:buClr>
+                  <a:srgbClr val="000000"/>
+                </a:buClr>
+                <a:buSzTx/>
+                <a:buFont typeface="Arial"/>
+                <a:buNone/>
+                <a:tabLst/>
+                <a:defRPr/>
+              </a:pPr>
+              <a:r>
+                <a:rPr kumimoji="0" lang="en-GB" sz="1050" b="0" i="0" u="none" strike="noStrike" kern="0" cap="none" spc="0" normalizeH="0" baseline="0" noProof="0">
+                  <a:ln>
+                    <a:noFill/>
+                  </a:ln>
+                  <a:solidFill>
+                    <a:srgbClr val="000000"/>
+                  </a:solidFill>
+                  <a:effectLst/>
+                  <a:uLnTx/>
+                  <a:uFillTx/>
+                  <a:latin typeface="Menlo" panose="020B0609030804020204" pitchFamily="49" charset="0"/>
+                  <a:ea typeface="Menlo" panose="020B0609030804020204" pitchFamily="49" charset="0"/>
+                  <a:cs typeface="Menlo" panose="020B0609030804020204" pitchFamily="49" charset="0"/>
+                  <a:sym typeface="Arial"/>
+                </a:rPr>
+                <a:t>soya similar</a:t>
+              </a:r>
+            </a:p>
+          </p:txBody>
+        </p:sp>
+        <p:sp>
+          <p:nvSpPr>
+            <p:cNvPr id="80" name="Textfeld 25">
+              <a:extLst>
+                <a:ext uri="{FF2B5EF4-FFF2-40B4-BE49-F238E27FC236}">
+                  <a16:creationId xmlns:a16="http://schemas.microsoft.com/office/drawing/2014/main" id="{B86875D8-E569-2648-82B0-50C38351E67F}"/>
+                </a:ext>
+              </a:extLst>
+            </p:cNvPr>
+            <p:cNvSpPr txBox="1"/>
+            <p:nvPr/>
+          </p:nvSpPr>
+          <p:spPr>
+            <a:xfrm>
+              <a:off x="6186485" y="3186820"/>
+              <a:ext cx="1195384" cy="329427"/>
+            </a:xfrm>
+            <a:prstGeom prst="rect">
+              <a:avLst/>
+            </a:prstGeom>
+            <a:noFill/>
+          </p:spPr>
+          <p:txBody>
+            <a:bodyPr wrap="none" rtlCol="0">
+              <a:spAutoFit/>
+            </a:bodyPr>
+            <a:lstStyle/>
+            <a:p>
+              <a:pPr marL="0" marR="0" lvl="0" indent="0" algn="ctr" defTabSz="914400" eaLnBrk="1" fontAlgn="auto" latinLnBrk="0" hangingPunct="1">
+                <a:lnSpc>
+                  <a:spcPct val="100000"/>
+                </a:lnSpc>
+                <a:spcBef>
+                  <a:spcPts val="0"/>
+                </a:spcBef>
+                <a:spcAft>
+                  <a:spcPts val="0"/>
+                </a:spcAft>
+                <a:buClr>
+                  <a:srgbClr val="000000"/>
+                </a:buClr>
+                <a:buSzTx/>
+                <a:buFont typeface="Arial"/>
+                <a:buNone/>
+                <a:tabLst/>
+                <a:defRPr/>
+              </a:pPr>
+              <a:r>
+                <a:rPr kumimoji="0" lang="en-GB" sz="1050" b="0" i="0" u="none" strike="noStrike" kern="0" cap="none" spc="0" normalizeH="0" baseline="0" noProof="0">
+                  <a:ln>
+                    <a:noFill/>
+                  </a:ln>
+                  <a:solidFill>
+                    <a:srgbClr val="000000"/>
+                  </a:solidFill>
+                  <a:effectLst/>
+                  <a:uLnTx/>
+                  <a:uFillTx/>
+                  <a:latin typeface="Menlo" panose="020B0609030804020204" pitchFamily="49" charset="0"/>
+                  <a:ea typeface="Menlo" panose="020B0609030804020204" pitchFamily="49" charset="0"/>
+                  <a:cs typeface="Menlo" panose="020B0609030804020204" pitchFamily="49" charset="0"/>
+                  <a:sym typeface="Arial"/>
+                </a:rPr>
+                <a:t>soya pull</a:t>
+              </a:r>
+            </a:p>
+          </p:txBody>
+        </p:sp>
+        <p:sp>
+          <p:nvSpPr>
+            <p:cNvPr id="81" name="Rechteckiger Pfeil 26">
+              <a:extLst>
+                <a:ext uri="{FF2B5EF4-FFF2-40B4-BE49-F238E27FC236}">
+                  <a16:creationId xmlns:a16="http://schemas.microsoft.com/office/drawing/2014/main" id="{7D2D42E3-2654-0B4B-A597-E66ECFC234F5}"/>
+                </a:ext>
+              </a:extLst>
+            </p:cNvPr>
+            <p:cNvSpPr/>
+            <p:nvPr/>
+          </p:nvSpPr>
+          <p:spPr>
+            <a:xfrm rot="13454931">
+              <a:off x="6357097" y="2653238"/>
+              <a:ext cx="754753" cy="714995"/>
+            </a:xfrm>
+            <a:prstGeom prst="bentArrow">
+              <a:avLst>
+                <a:gd name="adj1" fmla="val 13834"/>
+                <a:gd name="adj2" fmla="val 15108"/>
+                <a:gd name="adj3" fmla="val 18107"/>
+                <a:gd name="adj4" fmla="val 84248"/>
+              </a:avLst>
+            </a:prstGeom>
+            <a:solidFill>
+              <a:srgbClr val="4F81BD"/>
+            </a:solidFill>
+            <a:ln w="25400" cap="flat" cmpd="sng" algn="ctr">
+              <a:solidFill>
+                <a:srgbClr val="4F81BD">
+                  <a:shade val="50000"/>
+                </a:srgbClr>
+              </a:solidFill>
+              <a:prstDash val="solid"/>
+            </a:ln>
+            <a:effectLst/>
+          </p:spPr>
+          <p:txBody>
+            <a:bodyPr rtlCol="0" anchor="ctr"/>
+            <a:lstStyle/>
+            <a:p>
+              <a:pPr marL="0" marR="0" lvl="0" indent="0" algn="ctr" defTabSz="914400" eaLnBrk="1" fontAlgn="auto" latinLnBrk="0" hangingPunct="1">
+                <a:lnSpc>
+                  <a:spcPct val="100000"/>
+                </a:lnSpc>
+                <a:spcBef>
+                  <a:spcPts val="0"/>
+                </a:spcBef>
+                <a:spcAft>
+                  <a:spcPts val="0"/>
+                </a:spcAft>
+                <a:buClr>
+                  <a:srgbClr val="000000"/>
+                </a:buClr>
+                <a:buSzTx/>
+                <a:buFont typeface="Arial"/>
+                <a:buNone/>
+                <a:tabLst/>
+                <a:defRPr/>
+              </a:pPr>
+              <a:endParaRPr kumimoji="0" lang="en-GB" sz="1050" b="0" i="0" u="none" strike="noStrike" kern="0" cap="none" spc="0" normalizeH="0" baseline="0" noProof="0">
+                <a:ln>
+                  <a:noFill/>
+                </a:ln>
+                <a:solidFill>
+                  <a:srgbClr val="000000"/>
+                </a:solidFill>
+                <a:effectLst/>
+                <a:uLnTx/>
+                <a:uFillTx/>
+                <a:latin typeface="Arial"/>
+                <a:ea typeface="+mn-ea"/>
+                <a:cs typeface="+mn-cs"/>
+                <a:sym typeface="Arial"/>
+              </a:endParaRPr>
+            </a:p>
+          </p:txBody>
+        </p:sp>
+        <p:sp>
+          <p:nvSpPr>
+            <p:cNvPr id="82" name="Zylinder 27">
+              <a:extLst>
+                <a:ext uri="{FF2B5EF4-FFF2-40B4-BE49-F238E27FC236}">
+                  <a16:creationId xmlns:a16="http://schemas.microsoft.com/office/drawing/2014/main" id="{0B709782-497F-DD41-A3B7-087E2E5BB682}"/>
+                </a:ext>
+              </a:extLst>
+            </p:cNvPr>
+            <p:cNvSpPr/>
+            <p:nvPr/>
+          </p:nvSpPr>
+          <p:spPr>
+            <a:xfrm>
+              <a:off x="7756632" y="2213046"/>
+              <a:ext cx="914400" cy="737449"/>
+            </a:xfrm>
+            <a:prstGeom prst="can">
+              <a:avLst/>
+            </a:prstGeom>
+            <a:gradFill rotWithShape="1">
+              <a:gsLst>
+                <a:gs pos="0">
+                  <a:sysClr val="windowText" lastClr="000000">
+                    <a:tint val="50000"/>
+                    <a:satMod val="300000"/>
+                  </a:sysClr>
+                </a:gs>
+                <a:gs pos="35000">
+                  <a:sysClr val="windowText" lastClr="000000">
+                    <a:tint val="37000"/>
+                    <a:satMod val="300000"/>
+                  </a:sysClr>
+                </a:gs>
+                <a:gs pos="100000">
+                  <a:sysClr val="windowText" lastClr="000000">
+                    <a:tint val="15000"/>
+                    <a:satMod val="350000"/>
+                  </a:sysClr>
+                </a:gs>
+              </a:gsLst>
+              <a:lin ang="16200000" scaled="1"/>
+            </a:gradFill>
+            <a:ln w="28575" cap="flat" cmpd="sng" algn="ctr">
+              <a:solidFill>
+                <a:sysClr val="windowText" lastClr="000000">
+                  <a:lumMod val="75000"/>
+                  <a:lumOff val="25000"/>
+                </a:sysClr>
+              </a:solidFill>
+              <a:prstDash val="solid"/>
+            </a:ln>
+            <a:effectLst>
+              <a:outerShdw blurRad="40000" dist="20000" dir="5400000" rotWithShape="0">
+                <a:srgbClr val="000000">
+                  <a:alpha val="38000"/>
+                </a:srgbClr>
+              </a:outerShdw>
+            </a:effectLst>
+          </p:spPr>
+          <p:txBody>
+            <a:bodyPr rtlCol="0" anchor="ctr"/>
+            <a:lstStyle/>
+            <a:p>
+              <a:pPr marL="0" marR="0" lvl="0" indent="0" algn="ctr" defTabSz="914400" eaLnBrk="1" fontAlgn="auto" latinLnBrk="0" hangingPunct="1">
+                <a:lnSpc>
+                  <a:spcPct val="100000"/>
+                </a:lnSpc>
+                <a:spcBef>
+                  <a:spcPts val="0"/>
+                </a:spcBef>
+                <a:spcAft>
+                  <a:spcPts val="0"/>
+                </a:spcAft>
+                <a:buClr>
+                  <a:srgbClr val="000000"/>
+                </a:buClr>
+                <a:buSzTx/>
+                <a:buFont typeface="Arial"/>
+                <a:buNone/>
+                <a:tabLst/>
+                <a:defRPr/>
+              </a:pPr>
+              <a:endParaRPr kumimoji="0" lang="en-GB" sz="1050" b="0" i="0" u="none" strike="noStrike" kern="0" cap="none" spc="0" normalizeH="0" baseline="0" noProof="0">
+                <a:ln>
+                  <a:noFill/>
+                </a:ln>
+                <a:solidFill>
+                  <a:srgbClr val="000000"/>
+                </a:solidFill>
+                <a:effectLst/>
+                <a:uLnTx/>
+                <a:uFillTx/>
+                <a:latin typeface="Arial"/>
+                <a:ea typeface="+mn-ea"/>
+                <a:cs typeface="+mn-cs"/>
+                <a:sym typeface="Arial"/>
+              </a:endParaRPr>
+            </a:p>
+          </p:txBody>
+        </p:sp>
+        <p:sp>
+          <p:nvSpPr>
+            <p:cNvPr id="83" name="Textfeld 29">
+              <a:extLst>
+                <a:ext uri="{FF2B5EF4-FFF2-40B4-BE49-F238E27FC236}">
+                  <a16:creationId xmlns:a16="http://schemas.microsoft.com/office/drawing/2014/main" id="{6024329C-0F8B-E74F-A099-CEB25B92103A}"/>
+                </a:ext>
+              </a:extLst>
+            </p:cNvPr>
+            <p:cNvSpPr txBox="1"/>
+            <p:nvPr/>
+          </p:nvSpPr>
+          <p:spPr>
+            <a:xfrm>
+              <a:off x="2387477" y="3039995"/>
+              <a:ext cx="1314479" cy="542585"/>
+            </a:xfrm>
+            <a:prstGeom prst="rect">
+              <a:avLst/>
+            </a:prstGeom>
+            <a:noFill/>
+          </p:spPr>
+          <p:txBody>
+            <a:bodyPr wrap="none" rtlCol="0">
+              <a:spAutoFit/>
+            </a:bodyPr>
+            <a:lstStyle/>
+            <a:p>
+              <a:pPr marL="0" marR="0" lvl="0" indent="0" algn="ctr" defTabSz="914400" eaLnBrk="1" fontAlgn="auto" latinLnBrk="0" hangingPunct="1">
+                <a:lnSpc>
+                  <a:spcPct val="100000"/>
+                </a:lnSpc>
+                <a:spcBef>
+                  <a:spcPts val="0"/>
+                </a:spcBef>
+                <a:spcAft>
+                  <a:spcPts val="0"/>
+                </a:spcAft>
+                <a:buClr>
+                  <a:srgbClr val="000000"/>
+                </a:buClr>
+                <a:buSzTx/>
+                <a:buFont typeface="Arial"/>
+                <a:buNone/>
+                <a:tabLst/>
+                <a:defRPr/>
+              </a:pPr>
+              <a:r>
+                <a:rPr kumimoji="0" lang="en-GB" sz="1100" b="0" i="1" u="none" strike="noStrike" kern="0" cap="none" spc="0" normalizeH="0" baseline="0" noProof="0" dirty="0">
+                  <a:ln>
+                    <a:noFill/>
+                  </a:ln>
+                  <a:solidFill>
+                    <a:srgbClr val="000000">
+                      <a:lumMod val="75000"/>
+                      <a:lumOff val="25000"/>
+                    </a:srgbClr>
+                  </a:solidFill>
+                  <a:effectLst/>
+                  <a:uLnTx/>
+                  <a:uFillTx/>
+                  <a:latin typeface="Arial"/>
+                  <a:cs typeface="Arial"/>
+                  <a:sym typeface="Arial"/>
+                </a:rPr>
+                <a:t>data structure</a:t>
+              </a:r>
+              <a:br>
+                <a:rPr kumimoji="0" lang="en-GB" sz="1100" b="0" i="1" u="none" strike="noStrike" kern="0" cap="none" spc="0" normalizeH="0" baseline="0" noProof="0" dirty="0">
+                  <a:ln>
+                    <a:noFill/>
+                  </a:ln>
+                  <a:solidFill>
+                    <a:srgbClr val="000000">
+                      <a:lumMod val="75000"/>
+                      <a:lumOff val="25000"/>
+                    </a:srgbClr>
+                  </a:solidFill>
+                  <a:effectLst/>
+                  <a:uLnTx/>
+                  <a:uFillTx/>
+                  <a:latin typeface="Arial"/>
+                  <a:cs typeface="Arial"/>
+                  <a:sym typeface="Arial"/>
+                </a:rPr>
+              </a:br>
+              <a:r>
+                <a:rPr kumimoji="0" lang="en-GB" sz="1100" b="0" i="1" u="none" strike="noStrike" kern="0" cap="none" spc="0" normalizeH="0" baseline="0" noProof="0" dirty="0">
+                  <a:ln>
+                    <a:noFill/>
+                  </a:ln>
+                  <a:solidFill>
+                    <a:srgbClr val="000000">
+                      <a:lumMod val="75000"/>
+                      <a:lumOff val="25000"/>
+                    </a:srgbClr>
+                  </a:solidFill>
+                  <a:effectLst/>
+                  <a:uLnTx/>
+                  <a:uFillTx/>
+                  <a:latin typeface="Arial"/>
+                  <a:cs typeface="Arial"/>
+                  <a:sym typeface="Arial"/>
+                </a:rPr>
+                <a:t>description</a:t>
+              </a:r>
+            </a:p>
+          </p:txBody>
+        </p:sp>
+        <p:sp>
+          <p:nvSpPr>
+            <p:cNvPr id="84" name="Textfeld 30">
+              <a:extLst>
+                <a:ext uri="{FF2B5EF4-FFF2-40B4-BE49-F238E27FC236}">
+                  <a16:creationId xmlns:a16="http://schemas.microsoft.com/office/drawing/2014/main" id="{555AD94E-1624-3E45-BBA2-96A3FA0EF9E6}"/>
+                </a:ext>
+              </a:extLst>
+            </p:cNvPr>
+            <p:cNvSpPr txBox="1"/>
+            <p:nvPr/>
+          </p:nvSpPr>
+          <p:spPr>
+            <a:xfrm>
+              <a:off x="4797352" y="3039995"/>
+              <a:ext cx="993529" cy="542585"/>
+            </a:xfrm>
+            <a:prstGeom prst="rect">
+              <a:avLst/>
+            </a:prstGeom>
+            <a:noFill/>
+          </p:spPr>
+          <p:txBody>
+            <a:bodyPr wrap="none" rtlCol="0">
+              <a:spAutoFit/>
+            </a:bodyPr>
+            <a:lstStyle/>
+            <a:p>
+              <a:pPr marL="0" marR="0" lvl="0" indent="0" algn="ctr" defTabSz="914400" eaLnBrk="1" fontAlgn="auto" latinLnBrk="0" hangingPunct="1">
+                <a:lnSpc>
+                  <a:spcPct val="100000"/>
+                </a:lnSpc>
+                <a:spcBef>
+                  <a:spcPts val="0"/>
+                </a:spcBef>
+                <a:spcAft>
+                  <a:spcPts val="0"/>
+                </a:spcAft>
+                <a:buClr>
+                  <a:srgbClr val="000000"/>
+                </a:buClr>
+                <a:buSzTx/>
+                <a:buFont typeface="Arial"/>
+                <a:buNone/>
+                <a:tabLst/>
+                <a:defRPr/>
+              </a:pPr>
+              <a:r>
+                <a:rPr kumimoji="0" lang="en-GB" sz="1100" b="0" i="1" u="none" strike="noStrike" kern="0" cap="none" spc="0" normalizeH="0" baseline="0" noProof="0">
+                  <a:ln>
+                    <a:noFill/>
+                  </a:ln>
+                  <a:solidFill>
+                    <a:srgbClr val="000000">
+                      <a:lumMod val="75000"/>
+                      <a:lumOff val="25000"/>
+                    </a:srgbClr>
+                  </a:solidFill>
+                  <a:effectLst/>
+                  <a:uLnTx/>
+                  <a:uFillTx/>
+                  <a:latin typeface="Arial"/>
+                  <a:cs typeface="Arial"/>
+                  <a:sym typeface="Arial"/>
+                </a:rPr>
+                <a:t>JSON-LD</a:t>
+              </a:r>
+              <a:br>
+                <a:rPr kumimoji="0" lang="en-GB" sz="1100" b="0" i="1" u="none" strike="noStrike" kern="0" cap="none" spc="0" normalizeH="0" baseline="0" noProof="0">
+                  <a:ln>
+                    <a:noFill/>
+                  </a:ln>
+                  <a:solidFill>
+                    <a:srgbClr val="000000">
+                      <a:lumMod val="75000"/>
+                      <a:lumOff val="25000"/>
+                    </a:srgbClr>
+                  </a:solidFill>
+                  <a:effectLst/>
+                  <a:uLnTx/>
+                  <a:uFillTx/>
+                  <a:latin typeface="Arial"/>
+                  <a:cs typeface="Arial"/>
+                  <a:sym typeface="Arial"/>
+                </a:rPr>
+              </a:br>
+              <a:r>
+                <a:rPr kumimoji="0" lang="en-GB" sz="1100" b="0" i="1" u="none" strike="noStrike" kern="0" cap="none" spc="0" normalizeH="0" baseline="0" noProof="0">
+                  <a:ln>
+                    <a:noFill/>
+                  </a:ln>
+                  <a:solidFill>
+                    <a:srgbClr val="000000">
+                      <a:lumMod val="75000"/>
+                      <a:lumOff val="25000"/>
+                    </a:srgbClr>
+                  </a:solidFill>
+                  <a:effectLst/>
+                  <a:uLnTx/>
+                  <a:uFillTx/>
+                  <a:latin typeface="Arial"/>
+                  <a:cs typeface="Arial"/>
+                  <a:sym typeface="Arial"/>
+                </a:rPr>
+                <a:t>schema</a:t>
+              </a:r>
+            </a:p>
+          </p:txBody>
+        </p:sp>
+        <p:sp>
+          <p:nvSpPr>
+            <p:cNvPr id="85" name="Textfeld 31">
+              <a:extLst>
+                <a:ext uri="{FF2B5EF4-FFF2-40B4-BE49-F238E27FC236}">
+                  <a16:creationId xmlns:a16="http://schemas.microsoft.com/office/drawing/2014/main" id="{F0CBDB1C-7171-BC45-8278-E0C56485CBE6}"/>
+                </a:ext>
+              </a:extLst>
+            </p:cNvPr>
+            <p:cNvSpPr txBox="1"/>
+            <p:nvPr/>
+          </p:nvSpPr>
+          <p:spPr>
+            <a:xfrm>
+              <a:off x="7672659" y="3039995"/>
+              <a:ext cx="1082346" cy="542585"/>
+            </a:xfrm>
+            <a:prstGeom prst="rect">
+              <a:avLst/>
+            </a:prstGeom>
+            <a:noFill/>
+          </p:spPr>
+          <p:txBody>
+            <a:bodyPr wrap="none" rtlCol="0">
+              <a:spAutoFit/>
+            </a:bodyPr>
+            <a:lstStyle/>
+            <a:p>
+              <a:pPr marL="0" marR="0" lvl="0" indent="0" algn="ctr" defTabSz="914400" eaLnBrk="1" fontAlgn="auto" latinLnBrk="0" hangingPunct="1">
+                <a:lnSpc>
+                  <a:spcPct val="100000"/>
+                </a:lnSpc>
+                <a:spcBef>
+                  <a:spcPts val="0"/>
+                </a:spcBef>
+                <a:spcAft>
+                  <a:spcPts val="0"/>
+                </a:spcAft>
+                <a:buClr>
+                  <a:srgbClr val="000000"/>
+                </a:buClr>
+                <a:buSzTx/>
+                <a:buFont typeface="Arial"/>
+                <a:buNone/>
+                <a:tabLst/>
+                <a:defRPr/>
+              </a:pPr>
+              <a:r>
+                <a:rPr kumimoji="0" lang="en-GB" sz="1100" b="0" i="1" u="none" strike="noStrike" kern="0" cap="none" spc="0" normalizeH="0" baseline="0" noProof="0" dirty="0">
+                  <a:ln>
+                    <a:noFill/>
+                  </a:ln>
+                  <a:solidFill>
+                    <a:srgbClr val="000000">
+                      <a:lumMod val="75000"/>
+                      <a:lumOff val="25000"/>
+                    </a:srgbClr>
+                  </a:solidFill>
+                  <a:effectLst/>
+                  <a:uLnTx/>
+                  <a:uFillTx/>
+                  <a:latin typeface="Arial"/>
+                  <a:cs typeface="Arial"/>
+                  <a:sym typeface="Arial"/>
+                </a:rPr>
+                <a:t>SOyA</a:t>
+              </a:r>
+              <a:br>
+                <a:rPr kumimoji="0" lang="en-GB" sz="1100" b="0" i="1" u="none" strike="noStrike" kern="0" cap="none" spc="0" normalizeH="0" baseline="0" noProof="0" dirty="0">
+                  <a:ln>
+                    <a:noFill/>
+                  </a:ln>
+                  <a:solidFill>
+                    <a:srgbClr val="000000">
+                      <a:lumMod val="75000"/>
+                      <a:lumOff val="25000"/>
+                    </a:srgbClr>
+                  </a:solidFill>
+                  <a:effectLst/>
+                  <a:uLnTx/>
+                  <a:uFillTx/>
+                  <a:latin typeface="Arial"/>
+                  <a:cs typeface="Arial"/>
+                  <a:sym typeface="Arial"/>
+                </a:rPr>
+              </a:br>
+              <a:r>
+                <a:rPr kumimoji="0" lang="en-GB" sz="1100" b="0" i="1" u="none" strike="noStrike" kern="0" cap="none" spc="0" normalizeH="0" baseline="0" noProof="0" dirty="0">
+                  <a:ln>
+                    <a:noFill/>
+                  </a:ln>
+                  <a:solidFill>
+                    <a:srgbClr val="000000">
+                      <a:lumMod val="75000"/>
+                      <a:lumOff val="25000"/>
+                    </a:srgbClr>
+                  </a:solidFill>
+                  <a:effectLst/>
+                  <a:uLnTx/>
+                  <a:uFillTx/>
+                  <a:latin typeface="Arial"/>
+                  <a:cs typeface="Arial"/>
+                  <a:sym typeface="Arial"/>
+                </a:rPr>
+                <a:t>Repository</a:t>
+              </a:r>
+            </a:p>
+          </p:txBody>
+        </p:sp>
+        <p:sp>
+          <p:nvSpPr>
+            <p:cNvPr id="86" name="Textfeld 32">
+              <a:extLst>
+                <a:ext uri="{FF2B5EF4-FFF2-40B4-BE49-F238E27FC236}">
+                  <a16:creationId xmlns:a16="http://schemas.microsoft.com/office/drawing/2014/main" id="{9F2CE42A-06D1-BE45-8D87-2C58168D8F08}"/>
+                </a:ext>
+              </a:extLst>
+            </p:cNvPr>
+            <p:cNvSpPr txBox="1"/>
+            <p:nvPr/>
+          </p:nvSpPr>
+          <p:spPr>
+            <a:xfrm>
+              <a:off x="7834791" y="1481590"/>
+              <a:ext cx="2794394" cy="697610"/>
+            </a:xfrm>
+            <a:prstGeom prst="rect">
+              <a:avLst/>
+            </a:prstGeom>
+            <a:noFill/>
+          </p:spPr>
+          <p:txBody>
+            <a:bodyPr wrap="square" rtlCol="0">
+              <a:spAutoFit/>
+            </a:bodyPr>
+            <a:lstStyle/>
+            <a:p>
+              <a:pPr marL="0" marR="0" lvl="0" indent="0" defTabSz="914400" eaLnBrk="1" fontAlgn="auto" latinLnBrk="0" hangingPunct="1">
+                <a:lnSpc>
+                  <a:spcPct val="100000"/>
+                </a:lnSpc>
+                <a:spcBef>
+                  <a:spcPts val="0"/>
+                </a:spcBef>
+                <a:spcAft>
+                  <a:spcPts val="0"/>
+                </a:spcAft>
+                <a:buClr>
+                  <a:srgbClr val="000000"/>
+                </a:buClr>
+                <a:buSzTx/>
+                <a:buFont typeface="Arial"/>
+                <a:buNone/>
+                <a:tabLst/>
+                <a:defRPr/>
+              </a:pPr>
+              <a:r>
+                <a:rPr kumimoji="0" lang="en-GB" sz="1000" b="0" i="1" u="none" strike="noStrike" kern="0" cap="none" spc="0" normalizeH="0" baseline="0" noProof="0" dirty="0">
+                  <a:ln>
+                    <a:noFill/>
+                  </a:ln>
+                  <a:solidFill>
+                    <a:srgbClr val="000000">
+                      <a:lumMod val="75000"/>
+                      <a:lumOff val="25000"/>
+                    </a:srgbClr>
+                  </a:solidFill>
+                  <a:effectLst/>
+                  <a:uLnTx/>
+                  <a:uFillTx/>
+                  <a:latin typeface="Arial"/>
+                  <a:cs typeface="Arial"/>
+                  <a:sym typeface="Arial"/>
+                </a:rPr>
+                <a:t>2 Versions of each schema:</a:t>
+              </a:r>
+            </a:p>
+            <a:p>
+              <a:pPr marL="138113" marR="0" lvl="0" indent="-138113" defTabSz="914400" eaLnBrk="1" fontAlgn="auto" latinLnBrk="0" hangingPunct="1">
+                <a:lnSpc>
+                  <a:spcPct val="100000"/>
+                </a:lnSpc>
+                <a:spcBef>
+                  <a:spcPts val="0"/>
+                </a:spcBef>
+                <a:spcAft>
+                  <a:spcPts val="0"/>
+                </a:spcAft>
+                <a:buClr>
+                  <a:srgbClr val="000000"/>
+                </a:buClr>
+                <a:buSzTx/>
+                <a:buFont typeface="Arial" panose="020B0604020202020204" pitchFamily="34" charset="0"/>
+                <a:buChar char="•"/>
+                <a:tabLst/>
+                <a:defRPr/>
+              </a:pPr>
+              <a:r>
+                <a:rPr kumimoji="0" lang="en-GB" sz="1000" b="0" i="1" u="none" strike="noStrike" kern="0" cap="none" spc="0" normalizeH="0" baseline="0" noProof="0" dirty="0">
+                  <a:ln>
+                    <a:noFill/>
+                  </a:ln>
+                  <a:solidFill>
+                    <a:srgbClr val="000000">
+                      <a:lumMod val="75000"/>
+                      <a:lumOff val="25000"/>
+                    </a:srgbClr>
+                  </a:solidFill>
+                  <a:effectLst/>
+                  <a:uLnTx/>
+                  <a:uFillTx/>
+                  <a:latin typeface="Arial"/>
+                  <a:cs typeface="Arial"/>
+                  <a:sym typeface="Arial"/>
+                </a:rPr>
+                <a:t>human-readable name</a:t>
+              </a:r>
+            </a:p>
+            <a:p>
+              <a:pPr marL="138113" marR="0" lvl="0" indent="-138113" defTabSz="914400" eaLnBrk="1" fontAlgn="auto" latinLnBrk="0" hangingPunct="1">
+                <a:lnSpc>
+                  <a:spcPct val="100000"/>
+                </a:lnSpc>
+                <a:spcBef>
+                  <a:spcPts val="0"/>
+                </a:spcBef>
+                <a:spcAft>
+                  <a:spcPts val="0"/>
+                </a:spcAft>
+                <a:buClr>
+                  <a:srgbClr val="000000"/>
+                </a:buClr>
+                <a:buSzTx/>
+                <a:buFont typeface="Arial" panose="020B0604020202020204" pitchFamily="34" charset="0"/>
+                <a:buChar char="•"/>
+                <a:tabLst/>
+                <a:defRPr/>
+              </a:pPr>
+              <a:r>
+                <a:rPr kumimoji="0" lang="en-GB" sz="1000" b="0" i="1" u="none" strike="noStrike" kern="0" cap="none" spc="0" normalizeH="0" baseline="0" noProof="0" dirty="0">
+                  <a:ln>
+                    <a:noFill/>
+                  </a:ln>
+                  <a:solidFill>
+                    <a:srgbClr val="000000">
+                      <a:lumMod val="75000"/>
+                      <a:lumOff val="25000"/>
+                    </a:srgbClr>
+                  </a:solidFill>
+                  <a:effectLst/>
+                  <a:uLnTx/>
+                  <a:uFillTx/>
+                  <a:latin typeface="Arial"/>
+                  <a:cs typeface="Arial"/>
+                  <a:sym typeface="Arial"/>
+                </a:rPr>
+                <a:t>frozen (content-based) identifier</a:t>
+              </a:r>
+            </a:p>
+          </p:txBody>
+        </p:sp>
+        <p:pic>
+          <p:nvPicPr>
+            <p:cNvPr id="87" name="Grafik 33">
+              <a:extLst>
+                <a:ext uri="{FF2B5EF4-FFF2-40B4-BE49-F238E27FC236}">
+                  <a16:creationId xmlns:a16="http://schemas.microsoft.com/office/drawing/2014/main" id="{63DEF77A-E34D-CF4F-8F95-F4C3EF9F89ED}"/>
+                </a:ext>
+              </a:extLst>
+            </p:cNvPr>
+            <p:cNvPicPr>
+              <a:picLocks noChangeAspect="1"/>
+            </p:cNvPicPr>
+            <p:nvPr/>
+          </p:nvPicPr>
+          <p:blipFill>
+            <a:blip r:embed="rId4" cstate="email">
+              <a:clrChange>
+                <a:clrFrom>
+                  <a:srgbClr val="FFFFFF"/>
+                </a:clrFrom>
+                <a:clrTo>
+                  <a:srgbClr val="FFFFFF">
+                    <a:alpha val="0"/>
+                  </a:srgbClr>
+                </a:clrTo>
+              </a:clrChange>
+              <a:extLst>
+                <a:ext uri="{28A0092B-C50C-407E-A947-70E740481C1C}">
+                  <a14:useLocalDpi xmlns:a14="http://schemas.microsoft.com/office/drawing/2010/main"/>
+                </a:ext>
+              </a:extLst>
+            </a:blip>
+            <a:stretch>
+              <a:fillRect/>
+            </a:stretch>
+          </p:blipFill>
+          <p:spPr>
+            <a:xfrm>
+              <a:off x="9941007" y="2044079"/>
+              <a:ext cx="969295" cy="969295"/>
+            </a:xfrm>
+            <a:prstGeom prst="rect">
+              <a:avLst/>
+            </a:prstGeom>
+          </p:spPr>
+        </p:pic>
+        <p:sp>
+          <p:nvSpPr>
+            <p:cNvPr id="88" name="Textfeld 35">
+              <a:extLst>
+                <a:ext uri="{FF2B5EF4-FFF2-40B4-BE49-F238E27FC236}">
+                  <a16:creationId xmlns:a16="http://schemas.microsoft.com/office/drawing/2014/main" id="{48B95A4B-2A95-5848-99B4-5B48EE566617}"/>
+                </a:ext>
+              </a:extLst>
+            </p:cNvPr>
+            <p:cNvSpPr txBox="1"/>
+            <p:nvPr/>
+          </p:nvSpPr>
+          <p:spPr>
+            <a:xfrm>
+              <a:off x="8856674" y="2237292"/>
+              <a:ext cx="1162109" cy="319738"/>
+            </a:xfrm>
+            <a:prstGeom prst="rect">
+              <a:avLst/>
+            </a:prstGeom>
+            <a:noFill/>
+          </p:spPr>
+          <p:txBody>
+            <a:bodyPr wrap="square" rtlCol="0">
+              <a:spAutoFit/>
+            </a:bodyPr>
+            <a:lstStyle/>
+            <a:p>
+              <a:pPr marL="0" marR="0" lvl="0" indent="0" algn="ctr" defTabSz="914400" eaLnBrk="1" fontAlgn="auto" latinLnBrk="0" hangingPunct="1">
+                <a:lnSpc>
+                  <a:spcPct val="100000"/>
+                </a:lnSpc>
+                <a:spcBef>
+                  <a:spcPts val="0"/>
+                </a:spcBef>
+                <a:spcAft>
+                  <a:spcPts val="0"/>
+                </a:spcAft>
+                <a:buClr>
+                  <a:srgbClr val="000000"/>
+                </a:buClr>
+                <a:buSzTx/>
+                <a:buFont typeface="Arial"/>
+                <a:buNone/>
+                <a:tabLst/>
+                <a:defRPr/>
+              </a:pPr>
+              <a:r>
+                <a:rPr kumimoji="0" lang="en-GB" sz="1050" b="0" i="0" u="none" strike="noStrike" kern="0" cap="none" spc="0" normalizeH="0" baseline="0" noProof="0">
+                  <a:ln>
+                    <a:noFill/>
+                  </a:ln>
+                  <a:solidFill>
+                    <a:srgbClr val="000000"/>
+                  </a:solidFill>
+                  <a:effectLst/>
+                  <a:uLnTx/>
+                  <a:uFillTx/>
+                  <a:latin typeface="Menlo" panose="020B0609030804020204" pitchFamily="49" charset="0"/>
+                  <a:ea typeface="Menlo" panose="020B0609030804020204" pitchFamily="49" charset="0"/>
+                  <a:cs typeface="Menlo" panose="020B0609030804020204" pitchFamily="49" charset="0"/>
+                  <a:sym typeface="Arial"/>
+                </a:rPr>
+                <a:t>soya info</a:t>
+              </a:r>
+            </a:p>
+          </p:txBody>
+        </p:sp>
+        <p:sp>
+          <p:nvSpPr>
+            <p:cNvPr id="89" name="Pfeil nach links 36">
+              <a:extLst>
+                <a:ext uri="{FF2B5EF4-FFF2-40B4-BE49-F238E27FC236}">
+                  <a16:creationId xmlns:a16="http://schemas.microsoft.com/office/drawing/2014/main" id="{4E5AAF2E-41DE-9940-8D85-8C27C310BB00}"/>
+                </a:ext>
+              </a:extLst>
+            </p:cNvPr>
+            <p:cNvSpPr/>
+            <p:nvPr/>
+          </p:nvSpPr>
+          <p:spPr>
+            <a:xfrm>
+              <a:off x="8948524" y="2528600"/>
+              <a:ext cx="978408" cy="191172"/>
+            </a:xfrm>
+            <a:prstGeom prst="leftArrow">
+              <a:avLst/>
+            </a:prstGeom>
+            <a:solidFill>
+              <a:srgbClr val="4F81BD"/>
+            </a:solidFill>
+            <a:ln w="25400" cap="flat" cmpd="sng" algn="ctr">
+              <a:solidFill>
+                <a:srgbClr val="4F81BD">
+                  <a:shade val="50000"/>
+                </a:srgbClr>
+              </a:solidFill>
+              <a:prstDash val="solid"/>
+            </a:ln>
+            <a:effectLst/>
+          </p:spPr>
+          <p:txBody>
+            <a:bodyPr rtlCol="0" anchor="ctr"/>
+            <a:lstStyle/>
+            <a:p>
+              <a:pPr marL="0" marR="0" lvl="0" indent="0" algn="ctr" defTabSz="914400" eaLnBrk="1" fontAlgn="auto" latinLnBrk="0" hangingPunct="1">
+                <a:lnSpc>
+                  <a:spcPct val="100000"/>
+                </a:lnSpc>
+                <a:spcBef>
+                  <a:spcPts val="0"/>
+                </a:spcBef>
+                <a:spcAft>
+                  <a:spcPts val="0"/>
+                </a:spcAft>
+                <a:buClr>
+                  <a:srgbClr val="000000"/>
+                </a:buClr>
+                <a:buSzTx/>
+                <a:buFont typeface="Arial"/>
+                <a:buNone/>
+                <a:tabLst/>
+                <a:defRPr/>
+              </a:pPr>
+              <a:endParaRPr kumimoji="0" lang="en-GB" sz="1050" b="0" i="0" u="none" strike="noStrike" kern="0" cap="none" spc="0" normalizeH="0" baseline="0" noProof="0">
+                <a:ln>
+                  <a:noFill/>
+                </a:ln>
+                <a:solidFill>
+                  <a:srgbClr val="FFFFFF"/>
+                </a:solidFill>
+                <a:effectLst/>
+                <a:uLnTx/>
+                <a:uFillTx/>
+                <a:latin typeface="Arial"/>
+                <a:ea typeface="+mn-ea"/>
+                <a:cs typeface="+mn-cs"/>
+                <a:sym typeface="Arial"/>
+              </a:endParaRPr>
+            </a:p>
+          </p:txBody>
+        </p:sp>
+      </p:grpSp>
+      <p:grpSp>
+        <p:nvGrpSpPr>
+          <p:cNvPr id="95" name="Group 94">
+            <a:extLst>
+              <a:ext uri="{FF2B5EF4-FFF2-40B4-BE49-F238E27FC236}">
+                <a16:creationId xmlns:a16="http://schemas.microsoft.com/office/drawing/2014/main" id="{C41A1048-818A-BE45-82A9-0DAEB7CB827A}"/>
+              </a:ext>
+            </a:extLst>
+          </p:cNvPr>
+          <p:cNvGrpSpPr/>
+          <p:nvPr/>
+        </p:nvGrpSpPr>
+        <p:grpSpPr>
+          <a:xfrm>
+            <a:off x="1777341" y="4108067"/>
+            <a:ext cx="8931194" cy="1946939"/>
+            <a:chOff x="1034073" y="4160122"/>
+            <a:chExt cx="10189785" cy="2221304"/>
+          </a:xfrm>
+        </p:grpSpPr>
+        <p:grpSp>
+          <p:nvGrpSpPr>
+            <p:cNvPr id="96" name="Gruppieren 7">
+              <a:extLst>
+                <a:ext uri="{FF2B5EF4-FFF2-40B4-BE49-F238E27FC236}">
+                  <a16:creationId xmlns:a16="http://schemas.microsoft.com/office/drawing/2014/main" id="{903EC695-E514-894D-9271-F4015FCDF9D8}"/>
+                </a:ext>
+              </a:extLst>
+            </p:cNvPr>
+            <p:cNvGrpSpPr/>
+            <p:nvPr/>
+          </p:nvGrpSpPr>
+          <p:grpSpPr>
+            <a:xfrm>
+              <a:off x="1034073" y="4160122"/>
+              <a:ext cx="5045265" cy="1022817"/>
+              <a:chOff x="3573061" y="4341231"/>
+              <a:chExt cx="5045265" cy="1022817"/>
+            </a:xfrm>
+          </p:grpSpPr>
+          <p:grpSp>
+            <p:nvGrpSpPr>
+              <p:cNvPr id="131" name="Gruppieren 37">
+                <a:extLst>
+                  <a:ext uri="{FF2B5EF4-FFF2-40B4-BE49-F238E27FC236}">
+                    <a16:creationId xmlns:a16="http://schemas.microsoft.com/office/drawing/2014/main" id="{9BE29CA5-FD93-C14D-92EF-7D3EE5712DAD}"/>
+                  </a:ext>
+                </a:extLst>
+              </p:cNvPr>
+              <p:cNvGrpSpPr/>
+              <p:nvPr/>
+            </p:nvGrpSpPr>
+            <p:grpSpPr>
+              <a:xfrm>
+                <a:off x="4510848" y="4341231"/>
+                <a:ext cx="769470" cy="769470"/>
+                <a:chOff x="3966122" y="2139581"/>
+                <a:chExt cx="1006708" cy="1006708"/>
+              </a:xfrm>
+            </p:grpSpPr>
+            <p:pic>
+              <p:nvPicPr>
+                <p:cNvPr id="137" name="Grafik 38">
+                  <a:extLst>
+                    <a:ext uri="{FF2B5EF4-FFF2-40B4-BE49-F238E27FC236}">
+                      <a16:creationId xmlns:a16="http://schemas.microsoft.com/office/drawing/2014/main" id="{744A8DA5-40AD-114D-AF62-C8EA3A3BE18C}"/>
+                    </a:ext>
+                  </a:extLst>
+                </p:cNvPr>
+                <p:cNvPicPr>
+                  <a:picLocks noChangeAspect="1"/>
+                </p:cNvPicPr>
+                <p:nvPr/>
+              </p:nvPicPr>
+              <p:blipFill>
+                <a:blip r:embed="rId5" cstate="email">
+                  <a:extLst>
+                    <a:ext uri="{28A0092B-C50C-407E-A947-70E740481C1C}">
+                      <a14:useLocalDpi xmlns:a14="http://schemas.microsoft.com/office/drawing/2010/main"/>
+                    </a:ext>
+                  </a:extLst>
+                </a:blip>
+                <a:stretch>
+                  <a:fillRect/>
+                </a:stretch>
+              </p:blipFill>
+              <p:spPr>
+                <a:xfrm>
+                  <a:off x="3966122" y="2139581"/>
+                  <a:ext cx="1006708" cy="1006708"/>
+                </a:xfrm>
+                <a:prstGeom prst="rect">
+                  <a:avLst/>
+                </a:prstGeom>
+              </p:spPr>
+            </p:pic>
+            <p:sp>
+              <p:nvSpPr>
+                <p:cNvPr id="138" name="Rechteck 39">
+                  <a:extLst>
+                    <a:ext uri="{FF2B5EF4-FFF2-40B4-BE49-F238E27FC236}">
+                      <a16:creationId xmlns:a16="http://schemas.microsoft.com/office/drawing/2014/main" id="{62C9FEC8-E8F0-2E49-947F-0F3281D828D3}"/>
+                    </a:ext>
+                  </a:extLst>
+                </p:cNvPr>
+                <p:cNvSpPr/>
+                <p:nvPr/>
+              </p:nvSpPr>
+              <p:spPr>
+                <a:xfrm>
+                  <a:off x="4288268" y="2599725"/>
+                  <a:ext cx="609600" cy="282576"/>
+                </a:xfrm>
+                <a:prstGeom prst="rect">
+                  <a:avLst/>
+                </a:prstGeom>
+                <a:solidFill>
+                  <a:sysClr val="window" lastClr="FFFFFF"/>
+                </a:solidFill>
+                <a:ln w="25400" cap="flat" cmpd="sng" algn="ctr">
+                  <a:noFill/>
+                  <a:prstDash val="solid"/>
+                </a:ln>
+                <a:effectLst/>
+              </p:spPr>
+              <p:txBody>
+                <a:bodyPr rtlCol="0" anchor="ctr"/>
+                <a:lstStyle/>
+                <a:p>
+                  <a:pPr marL="0" marR="0" lvl="0" indent="0" algn="ctr" defTabSz="914400" eaLnBrk="1" fontAlgn="auto" latinLnBrk="0" hangingPunct="1">
+                    <a:lnSpc>
+                      <a:spcPct val="100000"/>
+                    </a:lnSpc>
+                    <a:spcBef>
+                      <a:spcPts val="0"/>
+                    </a:spcBef>
+                    <a:spcAft>
+                      <a:spcPts val="0"/>
+                    </a:spcAft>
+                    <a:buClr>
+                      <a:srgbClr val="000000"/>
+                    </a:buClr>
+                    <a:buSzTx/>
+                    <a:buFont typeface="Arial"/>
+                    <a:buNone/>
+                    <a:tabLst/>
+                    <a:defRPr/>
+                  </a:pPr>
+                  <a:endParaRPr kumimoji="0" lang="en-GB" sz="1050" b="0" i="0" u="none" strike="noStrike" kern="0" cap="none" spc="0" normalizeH="0" baseline="0" noProof="0">
+                    <a:ln>
+                      <a:noFill/>
+                    </a:ln>
+                    <a:solidFill>
+                      <a:srgbClr val="FFFFFF"/>
+                    </a:solidFill>
+                    <a:effectLst/>
+                    <a:uLnTx/>
+                    <a:uFillTx/>
+                    <a:latin typeface="Arial"/>
+                    <a:ea typeface="+mn-ea"/>
+                    <a:cs typeface="+mn-cs"/>
+                    <a:sym typeface="Arial"/>
+                  </a:endParaRPr>
+                </a:p>
+              </p:txBody>
+            </p:sp>
+            <p:pic>
+              <p:nvPicPr>
+                <p:cNvPr id="139" name="Grafik 40">
+                  <a:extLst>
+                    <a:ext uri="{FF2B5EF4-FFF2-40B4-BE49-F238E27FC236}">
+                      <a16:creationId xmlns:a16="http://schemas.microsoft.com/office/drawing/2014/main" id="{2CE228FB-35A4-A346-AB04-A3506845990D}"/>
+                    </a:ext>
+                  </a:extLst>
+                </p:cNvPr>
+                <p:cNvPicPr>
+                  <a:picLocks noChangeAspect="1"/>
+                </p:cNvPicPr>
+                <p:nvPr/>
+              </p:nvPicPr>
+              <p:blipFill rotWithShape="1">
+                <a:blip r:embed="rId6" cstate="email">
+                  <a:extLst>
+                    <a:ext uri="{28A0092B-C50C-407E-A947-70E740481C1C}">
+                      <a14:useLocalDpi xmlns:a14="http://schemas.microsoft.com/office/drawing/2010/main"/>
+                    </a:ext>
+                  </a:extLst>
+                </a:blip>
+                <a:srcRect/>
+                <a:stretch/>
+              </p:blipFill>
+              <p:spPr>
+                <a:xfrm>
+                  <a:off x="4403383" y="2599725"/>
+                  <a:ext cx="373836" cy="282576"/>
+                </a:xfrm>
+                <a:prstGeom prst="rect">
+                  <a:avLst/>
+                </a:prstGeom>
+              </p:spPr>
+            </p:pic>
+          </p:grpSp>
+          <p:sp>
+            <p:nvSpPr>
+              <p:cNvPr id="132" name="Textfeld 41">
+                <a:extLst>
+                  <a:ext uri="{FF2B5EF4-FFF2-40B4-BE49-F238E27FC236}">
+                    <a16:creationId xmlns:a16="http://schemas.microsoft.com/office/drawing/2014/main" id="{E3DECF59-7DAF-FF40-9658-FE64BA06AF45}"/>
+                  </a:ext>
+                </a:extLst>
+              </p:cNvPr>
+              <p:cNvSpPr txBox="1"/>
+              <p:nvPr/>
+            </p:nvSpPr>
+            <p:spPr>
+              <a:xfrm>
+                <a:off x="3573061" y="5065572"/>
+                <a:ext cx="2383786" cy="298476"/>
+              </a:xfrm>
+              <a:prstGeom prst="rect">
+                <a:avLst/>
+              </a:prstGeom>
+              <a:noFill/>
+            </p:spPr>
+            <p:txBody>
+              <a:bodyPr wrap="square" rtlCol="0">
+                <a:spAutoFit/>
+              </a:bodyPr>
+              <a:lstStyle/>
+              <a:p>
+                <a:pPr marL="0" marR="0" lvl="0" indent="0" algn="ctr" defTabSz="914400" eaLnBrk="1" fontAlgn="auto" latinLnBrk="0" hangingPunct="1">
+                  <a:lnSpc>
+                    <a:spcPct val="100000"/>
+                  </a:lnSpc>
+                  <a:spcBef>
+                    <a:spcPts val="0"/>
+                  </a:spcBef>
+                  <a:spcAft>
+                    <a:spcPts val="0"/>
+                  </a:spcAft>
+                  <a:buClr>
+                    <a:srgbClr val="000000"/>
+                  </a:buClr>
+                  <a:buSzTx/>
+                  <a:buFont typeface="Arial"/>
+                  <a:buNone/>
+                  <a:tabLst/>
+                  <a:defRPr/>
+                </a:pPr>
+                <a:r>
+                  <a:rPr kumimoji="0" lang="en-GB" sz="1100" b="0" i="1" u="none" strike="noStrike" kern="0" cap="none" spc="0" normalizeH="0" baseline="0" noProof="0" dirty="0">
+                    <a:ln>
+                      <a:noFill/>
+                    </a:ln>
+                    <a:solidFill>
+                      <a:srgbClr val="000000">
+                        <a:lumMod val="75000"/>
+                        <a:lumOff val="25000"/>
+                      </a:srgbClr>
+                    </a:solidFill>
+                    <a:effectLst/>
+                    <a:uLnTx/>
+                    <a:uFillTx/>
+                    <a:latin typeface="Arial"/>
+                    <a:cs typeface="Arial"/>
+                    <a:sym typeface="Arial"/>
+                  </a:rPr>
+                  <a:t>JSON(-LD) instance</a:t>
+                </a:r>
+              </a:p>
+            </p:txBody>
+          </p:sp>
+          <p:sp>
+            <p:nvSpPr>
+              <p:cNvPr id="133" name="Textfeld 42">
+                <a:extLst>
+                  <a:ext uri="{FF2B5EF4-FFF2-40B4-BE49-F238E27FC236}">
+                    <a16:creationId xmlns:a16="http://schemas.microsoft.com/office/drawing/2014/main" id="{2E62D3B1-CE31-D846-9DDD-73B4B2E1598C}"/>
+                  </a:ext>
+                </a:extLst>
+              </p:cNvPr>
+              <p:cNvSpPr txBox="1"/>
+              <p:nvPr/>
+            </p:nvSpPr>
+            <p:spPr>
+              <a:xfrm>
+                <a:off x="5418700" y="4511904"/>
+                <a:ext cx="1596055" cy="298476"/>
+              </a:xfrm>
+              <a:prstGeom prst="rect">
+                <a:avLst/>
+              </a:prstGeom>
+              <a:noFill/>
+            </p:spPr>
+            <p:txBody>
+              <a:bodyPr wrap="square" rtlCol="0">
+                <a:spAutoFit/>
+              </a:bodyPr>
+              <a:lstStyle/>
+              <a:p>
+                <a:pPr marL="0" marR="0" lvl="0" indent="0" algn="ctr" defTabSz="914400" eaLnBrk="1" fontAlgn="auto" latinLnBrk="0" hangingPunct="1">
+                  <a:lnSpc>
+                    <a:spcPct val="100000"/>
+                  </a:lnSpc>
+                  <a:spcBef>
+                    <a:spcPts val="0"/>
+                  </a:spcBef>
+                  <a:spcAft>
+                    <a:spcPts val="0"/>
+                  </a:spcAft>
+                  <a:buClr>
+                    <a:srgbClr val="000000"/>
+                  </a:buClr>
+                  <a:buSzTx/>
+                  <a:buFont typeface="Arial"/>
+                  <a:buNone/>
+                  <a:tabLst/>
+                  <a:defRPr/>
+                </a:pPr>
+                <a:r>
+                  <a:rPr kumimoji="0" lang="en-GB" sz="1050" b="0" i="0" u="none" strike="noStrike" kern="0" cap="none" spc="0" normalizeH="0" baseline="0" noProof="0" dirty="0">
+                    <a:ln>
+                      <a:noFill/>
+                    </a:ln>
+                    <a:solidFill>
+                      <a:srgbClr val="000000"/>
+                    </a:solidFill>
+                    <a:effectLst/>
+                    <a:uLnTx/>
+                    <a:uFillTx/>
+                    <a:latin typeface="Menlo" panose="020B0609030804020204" pitchFamily="49" charset="0"/>
+                    <a:ea typeface="Menlo" panose="020B0609030804020204" pitchFamily="49" charset="0"/>
+                    <a:cs typeface="Menlo" panose="020B0609030804020204" pitchFamily="49" charset="0"/>
+                    <a:sym typeface="Arial"/>
+                  </a:rPr>
+                  <a:t>soya validate</a:t>
+                </a:r>
+              </a:p>
+            </p:txBody>
+          </p:sp>
+          <p:sp>
+            <p:nvSpPr>
+              <p:cNvPr id="134" name="Pfeil nach links 43">
+                <a:extLst>
+                  <a:ext uri="{FF2B5EF4-FFF2-40B4-BE49-F238E27FC236}">
+                    <a16:creationId xmlns:a16="http://schemas.microsoft.com/office/drawing/2014/main" id="{17900BEB-5564-FB41-BC3B-63ED609B5719}"/>
+                  </a:ext>
+                </a:extLst>
+              </p:cNvPr>
+              <p:cNvSpPr/>
+              <p:nvPr/>
+            </p:nvSpPr>
+            <p:spPr>
+              <a:xfrm rot="10800000">
+                <a:off x="5727524" y="4803212"/>
+                <a:ext cx="978408" cy="191172"/>
+              </a:xfrm>
+              <a:prstGeom prst="leftArrow">
+                <a:avLst/>
+              </a:prstGeom>
+              <a:solidFill>
+                <a:srgbClr val="4F81BD"/>
+              </a:solidFill>
+              <a:ln w="25400" cap="flat" cmpd="sng" algn="ctr">
+                <a:solidFill>
+                  <a:srgbClr val="4F81BD">
+                    <a:shade val="50000"/>
+                  </a:srgbClr>
+                </a:solidFill>
+                <a:prstDash val="solid"/>
+              </a:ln>
+              <a:effectLst/>
+            </p:spPr>
+            <p:txBody>
+              <a:bodyPr rtlCol="0" anchor="ctr"/>
+              <a:lstStyle/>
+              <a:p>
+                <a:pPr marL="0" marR="0" lvl="0" indent="0" algn="ctr" defTabSz="914400" eaLnBrk="1" fontAlgn="auto" latinLnBrk="0" hangingPunct="1">
+                  <a:lnSpc>
+                    <a:spcPct val="100000"/>
+                  </a:lnSpc>
+                  <a:spcBef>
+                    <a:spcPts val="0"/>
+                  </a:spcBef>
+                  <a:spcAft>
+                    <a:spcPts val="0"/>
+                  </a:spcAft>
+                  <a:buClr>
+                    <a:srgbClr val="000000"/>
+                  </a:buClr>
+                  <a:buSzTx/>
+                  <a:buFont typeface="Arial"/>
+                  <a:buNone/>
+                  <a:tabLst/>
+                  <a:defRPr/>
+                </a:pPr>
+                <a:endParaRPr kumimoji="0" lang="en-GB" sz="1050" b="0" i="0" u="none" strike="noStrike" kern="0" cap="none" spc="0" normalizeH="0" baseline="0" noProof="0">
+                  <a:ln>
+                    <a:noFill/>
+                  </a:ln>
+                  <a:solidFill>
+                    <a:srgbClr val="FFFFFF"/>
+                  </a:solidFill>
+                  <a:effectLst/>
+                  <a:uLnTx/>
+                  <a:uFillTx/>
+                  <a:latin typeface="Arial"/>
+                  <a:ea typeface="+mn-ea"/>
+                  <a:cs typeface="+mn-cs"/>
+                  <a:sym typeface="Arial"/>
+                </a:endParaRPr>
+              </a:p>
+            </p:txBody>
+          </p:sp>
+          <p:pic>
+            <p:nvPicPr>
+              <p:cNvPr id="135" name="Grafik 44">
+                <a:extLst>
+                  <a:ext uri="{FF2B5EF4-FFF2-40B4-BE49-F238E27FC236}">
+                    <a16:creationId xmlns:a16="http://schemas.microsoft.com/office/drawing/2014/main" id="{6981CEF2-1490-7E42-A529-6CB01006339F}"/>
+                  </a:ext>
+                </a:extLst>
+              </p:cNvPr>
+              <p:cNvPicPr>
+                <a:picLocks noChangeAspect="1"/>
+              </p:cNvPicPr>
+              <p:nvPr/>
+            </p:nvPicPr>
+            <p:blipFill>
+              <a:blip r:embed="rId7" cstate="email">
+                <a:alphaModFix/>
+                <a:duotone>
+                  <a:srgbClr val="9BBB59">
+                    <a:shade val="45000"/>
+                    <a:satMod val="135000"/>
+                  </a:srgbClr>
+                  <a:prstClr val="white"/>
+                </a:duotone>
+                <a:extLst>
+                  <a:ext uri="{BEBA8EAE-BF5A-486C-A8C5-ECC9F3942E4B}">
+                    <a14:imgProps xmlns:a14="http://schemas.microsoft.com/office/drawing/2010/main">
+                      <a14:imgLayer r:embed="rId8">
+                        <a14:imgEffect>
+                          <a14:artisticGlowEdges/>
+                        </a14:imgEffect>
+                        <a14:imgEffect>
+                          <a14:brightnessContrast bright="-40000" contrast="-40000"/>
+                        </a14:imgEffect>
+                      </a14:imgLayer>
+                    </a14:imgProps>
+                  </a:ext>
+                  <a:ext uri="{28A0092B-C50C-407E-A947-70E740481C1C}">
+                    <a14:useLocalDpi xmlns:a14="http://schemas.microsoft.com/office/drawing/2010/main"/>
+                  </a:ext>
+                </a:extLst>
+              </a:blip>
+              <a:stretch>
+                <a:fillRect/>
+              </a:stretch>
+            </p:blipFill>
+            <p:spPr>
+              <a:xfrm>
+                <a:off x="7379190" y="4384186"/>
+                <a:ext cx="672369" cy="672369"/>
+              </a:xfrm>
+              <a:prstGeom prst="rect">
+                <a:avLst/>
+              </a:prstGeom>
+            </p:spPr>
+          </p:pic>
+          <p:sp>
+            <p:nvSpPr>
+              <p:cNvPr id="136" name="Textfeld 46">
+                <a:extLst>
+                  <a:ext uri="{FF2B5EF4-FFF2-40B4-BE49-F238E27FC236}">
+                    <a16:creationId xmlns:a16="http://schemas.microsoft.com/office/drawing/2014/main" id="{D7B483AC-A536-4D44-B230-4171F0097589}"/>
+                  </a:ext>
+                </a:extLst>
+              </p:cNvPr>
+              <p:cNvSpPr txBox="1"/>
+              <p:nvPr/>
+            </p:nvSpPr>
+            <p:spPr>
+              <a:xfrm>
+                <a:off x="6693186" y="5065571"/>
+                <a:ext cx="1925140" cy="298477"/>
+              </a:xfrm>
+              <a:prstGeom prst="rect">
+                <a:avLst/>
+              </a:prstGeom>
+              <a:noFill/>
+            </p:spPr>
+            <p:txBody>
+              <a:bodyPr wrap="square" rtlCol="0">
+                <a:spAutoFit/>
+              </a:bodyPr>
+              <a:lstStyle/>
+              <a:p>
+                <a:pPr marL="0" marR="0" lvl="0" indent="0" algn="ctr" defTabSz="914400" eaLnBrk="1" fontAlgn="auto" latinLnBrk="0" hangingPunct="1">
+                  <a:lnSpc>
+                    <a:spcPct val="100000"/>
+                  </a:lnSpc>
+                  <a:spcBef>
+                    <a:spcPts val="0"/>
+                  </a:spcBef>
+                  <a:spcAft>
+                    <a:spcPts val="0"/>
+                  </a:spcAft>
+                  <a:buClr>
+                    <a:srgbClr val="000000"/>
+                  </a:buClr>
+                  <a:buSzTx/>
+                  <a:buFont typeface="Arial"/>
+                  <a:buNone/>
+                  <a:tabLst/>
+                  <a:defRPr/>
+                </a:pPr>
+                <a:r>
+                  <a:rPr kumimoji="0" lang="en-GB" sz="1100" b="0" i="1" u="none" strike="noStrike" kern="0" cap="none" spc="0" normalizeH="0" baseline="0" noProof="0">
+                    <a:ln>
+                      <a:noFill/>
+                    </a:ln>
+                    <a:solidFill>
+                      <a:srgbClr val="000000">
+                        <a:lumMod val="75000"/>
+                        <a:lumOff val="25000"/>
+                      </a:srgbClr>
+                    </a:solidFill>
+                    <a:effectLst/>
+                    <a:uLnTx/>
+                    <a:uFillTx/>
+                    <a:latin typeface="Arial"/>
+                    <a:cs typeface="Arial"/>
+                    <a:sym typeface="Arial"/>
+                  </a:rPr>
+                  <a:t>validation result</a:t>
+                </a:r>
+              </a:p>
+            </p:txBody>
+          </p:sp>
+        </p:grpSp>
+        <p:grpSp>
+          <p:nvGrpSpPr>
+            <p:cNvPr id="97" name="Gruppieren 8">
+              <a:extLst>
+                <a:ext uri="{FF2B5EF4-FFF2-40B4-BE49-F238E27FC236}">
+                  <a16:creationId xmlns:a16="http://schemas.microsoft.com/office/drawing/2014/main" id="{07025620-40FC-1847-805E-D7A315E5309E}"/>
+                </a:ext>
+              </a:extLst>
+            </p:cNvPr>
+            <p:cNvGrpSpPr/>
+            <p:nvPr/>
+          </p:nvGrpSpPr>
+          <p:grpSpPr>
+            <a:xfrm>
+              <a:off x="6168655" y="4160122"/>
+              <a:ext cx="5045265" cy="1022817"/>
+              <a:chOff x="3839759" y="5576796"/>
+              <a:chExt cx="5045265" cy="1022817"/>
+            </a:xfrm>
+          </p:grpSpPr>
+          <p:grpSp>
+            <p:nvGrpSpPr>
+              <p:cNvPr id="120" name="Gruppieren 47">
+                <a:extLst>
+                  <a:ext uri="{FF2B5EF4-FFF2-40B4-BE49-F238E27FC236}">
+                    <a16:creationId xmlns:a16="http://schemas.microsoft.com/office/drawing/2014/main" id="{999119DB-E442-1642-9E53-796BEBC56CB8}"/>
+                  </a:ext>
+                </a:extLst>
+              </p:cNvPr>
+              <p:cNvGrpSpPr/>
+              <p:nvPr/>
+            </p:nvGrpSpPr>
+            <p:grpSpPr>
+              <a:xfrm>
+                <a:off x="4548223" y="5576796"/>
+                <a:ext cx="769470" cy="769470"/>
+                <a:chOff x="3966122" y="2139581"/>
+                <a:chExt cx="1006708" cy="1006708"/>
+              </a:xfrm>
+            </p:grpSpPr>
+            <p:pic>
+              <p:nvPicPr>
+                <p:cNvPr id="128" name="Grafik 48">
+                  <a:extLst>
+                    <a:ext uri="{FF2B5EF4-FFF2-40B4-BE49-F238E27FC236}">
+                      <a16:creationId xmlns:a16="http://schemas.microsoft.com/office/drawing/2014/main" id="{24B24873-52A1-F84C-AB84-AA7FDF693E62}"/>
+                    </a:ext>
+                  </a:extLst>
+                </p:cNvPr>
+                <p:cNvPicPr>
+                  <a:picLocks noChangeAspect="1"/>
+                </p:cNvPicPr>
+                <p:nvPr/>
+              </p:nvPicPr>
+              <p:blipFill>
+                <a:blip r:embed="rId5" cstate="email">
+                  <a:extLst>
+                    <a:ext uri="{28A0092B-C50C-407E-A947-70E740481C1C}">
+                      <a14:useLocalDpi xmlns:a14="http://schemas.microsoft.com/office/drawing/2010/main"/>
+                    </a:ext>
+                  </a:extLst>
+                </a:blip>
+                <a:stretch>
+                  <a:fillRect/>
+                </a:stretch>
+              </p:blipFill>
+              <p:spPr>
+                <a:xfrm>
+                  <a:off x="3966122" y="2139581"/>
+                  <a:ext cx="1006708" cy="1006708"/>
+                </a:xfrm>
+                <a:prstGeom prst="rect">
+                  <a:avLst/>
+                </a:prstGeom>
+              </p:spPr>
+            </p:pic>
+            <p:sp>
+              <p:nvSpPr>
+                <p:cNvPr id="129" name="Rechteck 49">
+                  <a:extLst>
+                    <a:ext uri="{FF2B5EF4-FFF2-40B4-BE49-F238E27FC236}">
+                      <a16:creationId xmlns:a16="http://schemas.microsoft.com/office/drawing/2014/main" id="{251BAA47-5A19-9B4D-83F1-C3A2310447F7}"/>
+                    </a:ext>
+                  </a:extLst>
+                </p:cNvPr>
+                <p:cNvSpPr/>
+                <p:nvPr/>
+              </p:nvSpPr>
+              <p:spPr>
+                <a:xfrm>
+                  <a:off x="4288268" y="2599725"/>
+                  <a:ext cx="609600" cy="282576"/>
+                </a:xfrm>
+                <a:prstGeom prst="rect">
+                  <a:avLst/>
+                </a:prstGeom>
+                <a:solidFill>
+                  <a:sysClr val="window" lastClr="FFFFFF"/>
+                </a:solidFill>
+                <a:ln w="25400" cap="flat" cmpd="sng" algn="ctr">
+                  <a:noFill/>
+                  <a:prstDash val="solid"/>
+                </a:ln>
+                <a:effectLst/>
+              </p:spPr>
+              <p:txBody>
+                <a:bodyPr rtlCol="0" anchor="ctr"/>
+                <a:lstStyle/>
+                <a:p>
+                  <a:pPr marL="0" marR="0" lvl="0" indent="0" algn="ctr" defTabSz="914400" eaLnBrk="1" fontAlgn="auto" latinLnBrk="0" hangingPunct="1">
+                    <a:lnSpc>
+                      <a:spcPct val="100000"/>
+                    </a:lnSpc>
+                    <a:spcBef>
+                      <a:spcPts val="0"/>
+                    </a:spcBef>
+                    <a:spcAft>
+                      <a:spcPts val="0"/>
+                    </a:spcAft>
+                    <a:buClr>
+                      <a:srgbClr val="000000"/>
+                    </a:buClr>
+                    <a:buSzTx/>
+                    <a:buFont typeface="Arial"/>
+                    <a:buNone/>
+                    <a:tabLst/>
+                    <a:defRPr/>
+                  </a:pPr>
+                  <a:endParaRPr kumimoji="0" lang="en-GB" sz="1050" b="0" i="0" u="none" strike="noStrike" kern="0" cap="none" spc="0" normalizeH="0" baseline="0" noProof="0">
+                    <a:ln>
+                      <a:noFill/>
+                    </a:ln>
+                    <a:solidFill>
+                      <a:srgbClr val="FFFFFF"/>
+                    </a:solidFill>
+                    <a:effectLst/>
+                    <a:uLnTx/>
+                    <a:uFillTx/>
+                    <a:latin typeface="Arial"/>
+                    <a:ea typeface="+mn-ea"/>
+                    <a:cs typeface="+mn-cs"/>
+                    <a:sym typeface="Arial"/>
+                  </a:endParaRPr>
+                </a:p>
+              </p:txBody>
+            </p:sp>
+            <p:pic>
+              <p:nvPicPr>
+                <p:cNvPr id="130" name="Grafik 50">
+                  <a:extLst>
+                    <a:ext uri="{FF2B5EF4-FFF2-40B4-BE49-F238E27FC236}">
+                      <a16:creationId xmlns:a16="http://schemas.microsoft.com/office/drawing/2014/main" id="{6A10E4E4-7B3B-BA4D-95AC-8947B1C62846}"/>
+                    </a:ext>
+                  </a:extLst>
+                </p:cNvPr>
+                <p:cNvPicPr>
+                  <a:picLocks noChangeAspect="1"/>
+                </p:cNvPicPr>
+                <p:nvPr/>
+              </p:nvPicPr>
+              <p:blipFill rotWithShape="1">
+                <a:blip r:embed="rId6" cstate="email">
+                  <a:extLst>
+                    <a:ext uri="{28A0092B-C50C-407E-A947-70E740481C1C}">
+                      <a14:useLocalDpi xmlns:a14="http://schemas.microsoft.com/office/drawing/2010/main"/>
+                    </a:ext>
+                  </a:extLst>
+                </a:blip>
+                <a:srcRect/>
+                <a:stretch/>
+              </p:blipFill>
+              <p:spPr>
+                <a:xfrm>
+                  <a:off x="4403383" y="2599725"/>
+                  <a:ext cx="373836" cy="282576"/>
+                </a:xfrm>
+                <a:prstGeom prst="rect">
+                  <a:avLst/>
+                </a:prstGeom>
+              </p:spPr>
+            </p:pic>
+          </p:grpSp>
+          <p:sp>
+            <p:nvSpPr>
+              <p:cNvPr id="121" name="Textfeld 51">
+                <a:extLst>
+                  <a:ext uri="{FF2B5EF4-FFF2-40B4-BE49-F238E27FC236}">
+                    <a16:creationId xmlns:a16="http://schemas.microsoft.com/office/drawing/2014/main" id="{917C5113-0AEE-C649-8A56-01B9AC65AE7C}"/>
+                  </a:ext>
+                </a:extLst>
+              </p:cNvPr>
+              <p:cNvSpPr txBox="1"/>
+              <p:nvPr/>
+            </p:nvSpPr>
+            <p:spPr>
+              <a:xfrm>
+                <a:off x="3839759" y="6301137"/>
+                <a:ext cx="1925140" cy="298476"/>
+              </a:xfrm>
+              <a:prstGeom prst="rect">
+                <a:avLst/>
+              </a:prstGeom>
+              <a:noFill/>
+            </p:spPr>
+            <p:txBody>
+              <a:bodyPr wrap="square" rtlCol="0">
+                <a:spAutoFit/>
+              </a:bodyPr>
+              <a:lstStyle/>
+              <a:p>
+                <a:pPr marL="0" marR="0" lvl="0" indent="0" algn="ctr" defTabSz="914400" eaLnBrk="1" fontAlgn="auto" latinLnBrk="0" hangingPunct="1">
+                  <a:lnSpc>
+                    <a:spcPct val="100000"/>
+                  </a:lnSpc>
+                  <a:spcBef>
+                    <a:spcPts val="0"/>
+                  </a:spcBef>
+                  <a:spcAft>
+                    <a:spcPts val="0"/>
+                  </a:spcAft>
+                  <a:buClr>
+                    <a:srgbClr val="000000"/>
+                  </a:buClr>
+                  <a:buSzTx/>
+                  <a:buFont typeface="Arial"/>
+                  <a:buNone/>
+                  <a:tabLst/>
+                  <a:defRPr/>
+                </a:pPr>
+                <a:r>
+                  <a:rPr kumimoji="0" lang="en-GB" sz="1100" b="0" i="1" u="none" strike="noStrike" kern="0" cap="none" spc="0" normalizeH="0" baseline="0" noProof="0" dirty="0">
+                    <a:ln>
+                      <a:noFill/>
+                    </a:ln>
+                    <a:solidFill>
+                      <a:srgbClr val="000000">
+                        <a:lumMod val="75000"/>
+                        <a:lumOff val="25000"/>
+                      </a:srgbClr>
+                    </a:solidFill>
+                    <a:effectLst/>
+                    <a:uLnTx/>
+                    <a:uFillTx/>
+                    <a:latin typeface="Arial"/>
+                    <a:cs typeface="Arial"/>
+                    <a:sym typeface="Arial"/>
+                  </a:rPr>
+                  <a:t>JSON-LD instance</a:t>
+                </a:r>
+              </a:p>
+            </p:txBody>
+          </p:sp>
+          <p:sp>
+            <p:nvSpPr>
+              <p:cNvPr id="122" name="Textfeld 52">
+                <a:extLst>
+                  <a:ext uri="{FF2B5EF4-FFF2-40B4-BE49-F238E27FC236}">
+                    <a16:creationId xmlns:a16="http://schemas.microsoft.com/office/drawing/2014/main" id="{40BDD77F-7842-F547-81E2-7C21AA7298DD}"/>
+                  </a:ext>
+                </a:extLst>
+              </p:cNvPr>
+              <p:cNvSpPr txBox="1"/>
+              <p:nvPr/>
+            </p:nvSpPr>
+            <p:spPr>
+              <a:xfrm>
+                <a:off x="5317457" y="5747469"/>
+                <a:ext cx="1873292" cy="298476"/>
+              </a:xfrm>
+              <a:prstGeom prst="rect">
+                <a:avLst/>
+              </a:prstGeom>
+              <a:noFill/>
+            </p:spPr>
+            <p:txBody>
+              <a:bodyPr wrap="square" rtlCol="0">
+                <a:spAutoFit/>
+              </a:bodyPr>
+              <a:lstStyle/>
+              <a:p>
+                <a:pPr marL="0" marR="0" lvl="0" indent="0" algn="ctr" defTabSz="914400" eaLnBrk="1" fontAlgn="auto" latinLnBrk="0" hangingPunct="1">
+                  <a:lnSpc>
+                    <a:spcPct val="100000"/>
+                  </a:lnSpc>
+                  <a:spcBef>
+                    <a:spcPts val="0"/>
+                  </a:spcBef>
+                  <a:spcAft>
+                    <a:spcPts val="0"/>
+                  </a:spcAft>
+                  <a:buClr>
+                    <a:srgbClr val="000000"/>
+                  </a:buClr>
+                  <a:buSzTx/>
+                  <a:buFont typeface="Arial"/>
+                  <a:buNone/>
+                  <a:tabLst/>
+                  <a:defRPr/>
+                </a:pPr>
+                <a:r>
+                  <a:rPr kumimoji="0" lang="en-GB" sz="1050" b="0" i="0" u="none" strike="noStrike" kern="0" cap="none" spc="0" normalizeH="0" baseline="0" noProof="0">
+                    <a:ln>
+                      <a:noFill/>
+                    </a:ln>
+                    <a:solidFill>
+                      <a:srgbClr val="000000"/>
+                    </a:solidFill>
+                    <a:effectLst/>
+                    <a:uLnTx/>
+                    <a:uFillTx/>
+                    <a:latin typeface="Menlo" panose="020B0609030804020204" pitchFamily="49" charset="0"/>
+                    <a:ea typeface="Menlo" panose="020B0609030804020204" pitchFamily="49" charset="0"/>
+                    <a:cs typeface="Menlo" panose="020B0609030804020204" pitchFamily="49" charset="0"/>
+                    <a:sym typeface="Arial"/>
+                  </a:rPr>
+                  <a:t>soya transform</a:t>
+                </a:r>
+              </a:p>
+            </p:txBody>
+          </p:sp>
+          <p:sp>
+            <p:nvSpPr>
+              <p:cNvPr id="123" name="Pfeil nach links 53">
+                <a:extLst>
+                  <a:ext uri="{FF2B5EF4-FFF2-40B4-BE49-F238E27FC236}">
+                    <a16:creationId xmlns:a16="http://schemas.microsoft.com/office/drawing/2014/main" id="{227D73C0-B530-7A48-B5CB-2992CE843109}"/>
+                  </a:ext>
+                </a:extLst>
+              </p:cNvPr>
+              <p:cNvSpPr/>
+              <p:nvPr/>
+            </p:nvSpPr>
+            <p:spPr>
+              <a:xfrm rot="10800000">
+                <a:off x="5764899" y="6038777"/>
+                <a:ext cx="978408" cy="191172"/>
+              </a:xfrm>
+              <a:prstGeom prst="leftArrow">
+                <a:avLst/>
+              </a:prstGeom>
+              <a:solidFill>
+                <a:srgbClr val="4F81BD"/>
+              </a:solidFill>
+              <a:ln w="25400" cap="flat" cmpd="sng" algn="ctr">
+                <a:solidFill>
+                  <a:srgbClr val="4F81BD">
+                    <a:shade val="50000"/>
+                  </a:srgbClr>
+                </a:solidFill>
+                <a:prstDash val="solid"/>
+              </a:ln>
+              <a:effectLst/>
+            </p:spPr>
+            <p:txBody>
+              <a:bodyPr rtlCol="0" anchor="ctr"/>
+              <a:lstStyle/>
+              <a:p>
+                <a:pPr marL="0" marR="0" lvl="0" indent="0" algn="ctr" defTabSz="914400" eaLnBrk="1" fontAlgn="auto" latinLnBrk="0" hangingPunct="1">
+                  <a:lnSpc>
+                    <a:spcPct val="100000"/>
+                  </a:lnSpc>
+                  <a:spcBef>
+                    <a:spcPts val="0"/>
+                  </a:spcBef>
+                  <a:spcAft>
+                    <a:spcPts val="0"/>
+                  </a:spcAft>
+                  <a:buClr>
+                    <a:srgbClr val="000000"/>
+                  </a:buClr>
+                  <a:buSzTx/>
+                  <a:buFont typeface="Arial"/>
+                  <a:buNone/>
+                  <a:tabLst/>
+                  <a:defRPr/>
+                </a:pPr>
+                <a:endParaRPr kumimoji="0" lang="en-GB" sz="1050" b="0" i="0" u="none" strike="noStrike" kern="0" cap="none" spc="0" normalizeH="0" baseline="0" noProof="0">
+                  <a:ln>
+                    <a:noFill/>
+                  </a:ln>
+                  <a:solidFill>
+                    <a:srgbClr val="FFFFFF"/>
+                  </a:solidFill>
+                  <a:effectLst/>
+                  <a:uLnTx/>
+                  <a:uFillTx/>
+                  <a:latin typeface="Arial"/>
+                  <a:ea typeface="+mn-ea"/>
+                  <a:cs typeface="+mn-cs"/>
+                  <a:sym typeface="Arial"/>
+                </a:endParaRPr>
+              </a:p>
+            </p:txBody>
+          </p:sp>
+          <p:sp>
+            <p:nvSpPr>
+              <p:cNvPr id="124" name="Textfeld 55">
+                <a:extLst>
+                  <a:ext uri="{FF2B5EF4-FFF2-40B4-BE49-F238E27FC236}">
+                    <a16:creationId xmlns:a16="http://schemas.microsoft.com/office/drawing/2014/main" id="{E2EFA4D8-0BCC-4D45-80ED-53F10181FD66}"/>
+                  </a:ext>
+                </a:extLst>
+              </p:cNvPr>
+              <p:cNvSpPr txBox="1"/>
+              <p:nvPr/>
+            </p:nvSpPr>
+            <p:spPr>
+              <a:xfrm>
+                <a:off x="6501238" y="6301137"/>
+                <a:ext cx="2383786" cy="298476"/>
+              </a:xfrm>
+              <a:prstGeom prst="rect">
+                <a:avLst/>
+              </a:prstGeom>
+              <a:noFill/>
+            </p:spPr>
+            <p:txBody>
+              <a:bodyPr wrap="square" rtlCol="0">
+                <a:spAutoFit/>
+              </a:bodyPr>
+              <a:lstStyle/>
+              <a:p>
+                <a:pPr marL="0" marR="0" lvl="0" indent="0" algn="ctr" defTabSz="914400" eaLnBrk="1" fontAlgn="auto" latinLnBrk="0" hangingPunct="1">
+                  <a:lnSpc>
+                    <a:spcPct val="100000"/>
+                  </a:lnSpc>
+                  <a:spcBef>
+                    <a:spcPts val="0"/>
+                  </a:spcBef>
+                  <a:spcAft>
+                    <a:spcPts val="0"/>
+                  </a:spcAft>
+                  <a:buClr>
+                    <a:srgbClr val="000000"/>
+                  </a:buClr>
+                  <a:buSzTx/>
+                  <a:buFont typeface="Arial"/>
+                  <a:buNone/>
+                  <a:tabLst/>
+                  <a:defRPr/>
+                </a:pPr>
+                <a:r>
+                  <a:rPr kumimoji="0" lang="en-GB" sz="1100" b="0" i="1" u="none" strike="noStrike" kern="0" cap="none" spc="0" normalizeH="0" baseline="0" noProof="0" dirty="0">
+                    <a:ln>
+                      <a:noFill/>
+                    </a:ln>
+                    <a:solidFill>
+                      <a:srgbClr val="000000">
+                        <a:lumMod val="75000"/>
+                        <a:lumOff val="25000"/>
+                      </a:srgbClr>
+                    </a:solidFill>
+                    <a:effectLst/>
+                    <a:uLnTx/>
+                    <a:uFillTx/>
+                    <a:latin typeface="Arial"/>
+                    <a:cs typeface="Arial"/>
+                    <a:sym typeface="Arial"/>
+                  </a:rPr>
+                  <a:t>new JSON-LD instance</a:t>
+                </a:r>
+              </a:p>
+            </p:txBody>
+          </p:sp>
+          <p:pic>
+            <p:nvPicPr>
+              <p:cNvPr id="125" name="Grafik 57">
+                <a:extLst>
+                  <a:ext uri="{FF2B5EF4-FFF2-40B4-BE49-F238E27FC236}">
+                    <a16:creationId xmlns:a16="http://schemas.microsoft.com/office/drawing/2014/main" id="{BA025DFC-05A0-4747-90E8-2E55F2607C94}"/>
+                  </a:ext>
+                </a:extLst>
+              </p:cNvPr>
+              <p:cNvPicPr>
+                <a:picLocks noChangeAspect="1"/>
+              </p:cNvPicPr>
+              <p:nvPr/>
+            </p:nvPicPr>
+            <p:blipFill>
+              <a:blip r:embed="rId5" cstate="email">
+                <a:duotone>
+                  <a:srgbClr val="9BBB59">
+                    <a:shade val="45000"/>
+                    <a:satMod val="135000"/>
+                  </a:srgbClr>
+                  <a:prstClr val="white"/>
+                </a:duotone>
+                <a:extLst>
+                  <a:ext uri="{28A0092B-C50C-407E-A947-70E740481C1C}">
+                    <a14:useLocalDpi xmlns:a14="http://schemas.microsoft.com/office/drawing/2010/main"/>
+                  </a:ext>
+                </a:extLst>
+              </a:blip>
+              <a:stretch>
+                <a:fillRect/>
+              </a:stretch>
+            </p:blipFill>
+            <p:spPr>
+              <a:xfrm>
+                <a:off x="7380862" y="5576796"/>
+                <a:ext cx="769470" cy="769470"/>
+              </a:xfrm>
+              <a:prstGeom prst="rect">
+                <a:avLst/>
+              </a:prstGeom>
+            </p:spPr>
+          </p:pic>
+          <p:sp>
+            <p:nvSpPr>
+              <p:cNvPr id="126" name="Rechteck 58">
+                <a:extLst>
+                  <a:ext uri="{FF2B5EF4-FFF2-40B4-BE49-F238E27FC236}">
+                    <a16:creationId xmlns:a16="http://schemas.microsoft.com/office/drawing/2014/main" id="{BFA6DBE2-C521-3B4E-99F4-23787B6D4551}"/>
+                  </a:ext>
+                </a:extLst>
+              </p:cNvPr>
+              <p:cNvSpPr/>
+              <p:nvPr/>
+            </p:nvSpPr>
+            <p:spPr>
+              <a:xfrm>
+                <a:off x="7627092" y="5928504"/>
+                <a:ext cx="465943" cy="215985"/>
+              </a:xfrm>
+              <a:prstGeom prst="rect">
+                <a:avLst/>
+              </a:prstGeom>
+              <a:solidFill>
+                <a:sysClr val="window" lastClr="FFFFFF"/>
+              </a:solidFill>
+              <a:ln w="25400" cap="flat" cmpd="sng" algn="ctr">
+                <a:noFill/>
+                <a:prstDash val="solid"/>
+              </a:ln>
+              <a:effectLst/>
+            </p:spPr>
+            <p:txBody>
+              <a:bodyPr rtlCol="0" anchor="ctr"/>
+              <a:lstStyle/>
+              <a:p>
+                <a:pPr marL="0" marR="0" lvl="0" indent="0" algn="ctr" defTabSz="914400" eaLnBrk="1" fontAlgn="auto" latinLnBrk="0" hangingPunct="1">
+                  <a:lnSpc>
+                    <a:spcPct val="100000"/>
+                  </a:lnSpc>
+                  <a:spcBef>
+                    <a:spcPts val="0"/>
+                  </a:spcBef>
+                  <a:spcAft>
+                    <a:spcPts val="0"/>
+                  </a:spcAft>
+                  <a:buClr>
+                    <a:srgbClr val="000000"/>
+                  </a:buClr>
+                  <a:buSzTx/>
+                  <a:buFont typeface="Arial"/>
+                  <a:buNone/>
+                  <a:tabLst/>
+                  <a:defRPr/>
+                </a:pPr>
+                <a:endParaRPr kumimoji="0" lang="en-GB" sz="1050" b="0" i="0" u="none" strike="noStrike" kern="0" cap="none" spc="0" normalizeH="0" baseline="0" noProof="0">
+                  <a:ln>
+                    <a:noFill/>
+                  </a:ln>
+                  <a:solidFill>
+                    <a:srgbClr val="FFFFFF"/>
+                  </a:solidFill>
+                  <a:effectLst/>
+                  <a:uLnTx/>
+                  <a:uFillTx/>
+                  <a:latin typeface="Arial"/>
+                  <a:ea typeface="+mn-ea"/>
+                  <a:cs typeface="+mn-cs"/>
+                  <a:sym typeface="Arial"/>
+                </a:endParaRPr>
+              </a:p>
+            </p:txBody>
+          </p:sp>
+          <p:pic>
+            <p:nvPicPr>
+              <p:cNvPr id="127" name="Grafik 59">
+                <a:extLst>
+                  <a:ext uri="{FF2B5EF4-FFF2-40B4-BE49-F238E27FC236}">
+                    <a16:creationId xmlns:a16="http://schemas.microsoft.com/office/drawing/2014/main" id="{B111EB78-80AC-E24E-A95E-F0E8E1C07562}"/>
+                  </a:ext>
+                </a:extLst>
+              </p:cNvPr>
+              <p:cNvPicPr>
+                <a:picLocks noChangeAspect="1"/>
+              </p:cNvPicPr>
+              <p:nvPr/>
+            </p:nvPicPr>
+            <p:blipFill rotWithShape="1">
+              <a:blip r:embed="rId6" cstate="email">
+                <a:extLst>
+                  <a:ext uri="{28A0092B-C50C-407E-A947-70E740481C1C}">
+                    <a14:useLocalDpi xmlns:a14="http://schemas.microsoft.com/office/drawing/2010/main"/>
+                  </a:ext>
+                </a:extLst>
+              </a:blip>
+              <a:srcRect/>
+              <a:stretch/>
+            </p:blipFill>
+            <p:spPr>
+              <a:xfrm>
+                <a:off x="7715079" y="5928504"/>
+                <a:ext cx="285739" cy="215985"/>
+              </a:xfrm>
+              <a:prstGeom prst="rect">
+                <a:avLst/>
+              </a:prstGeom>
+            </p:spPr>
+          </p:pic>
+        </p:grpSp>
+        <p:grpSp>
+          <p:nvGrpSpPr>
+            <p:cNvPr id="98" name="Gruppieren 8">
+              <a:extLst>
+                <a:ext uri="{FF2B5EF4-FFF2-40B4-BE49-F238E27FC236}">
+                  <a16:creationId xmlns:a16="http://schemas.microsoft.com/office/drawing/2014/main" id="{4810C2BE-7799-B342-87A9-A22D291BB769}"/>
+                </a:ext>
+              </a:extLst>
+            </p:cNvPr>
+            <p:cNvGrpSpPr/>
+            <p:nvPr/>
+          </p:nvGrpSpPr>
+          <p:grpSpPr>
+            <a:xfrm>
+              <a:off x="6178593" y="5358609"/>
+              <a:ext cx="5045265" cy="1022817"/>
+              <a:chOff x="3839759" y="5576796"/>
+              <a:chExt cx="5045265" cy="1022817"/>
+            </a:xfrm>
+          </p:grpSpPr>
+          <p:grpSp>
+            <p:nvGrpSpPr>
+              <p:cNvPr id="110" name="Gruppieren 47">
+                <a:extLst>
+                  <a:ext uri="{FF2B5EF4-FFF2-40B4-BE49-F238E27FC236}">
+                    <a16:creationId xmlns:a16="http://schemas.microsoft.com/office/drawing/2014/main" id="{B9C333DA-5B57-894A-B6E3-230A02C50810}"/>
+                  </a:ext>
+                </a:extLst>
+              </p:cNvPr>
+              <p:cNvGrpSpPr/>
+              <p:nvPr/>
+            </p:nvGrpSpPr>
+            <p:grpSpPr>
+              <a:xfrm>
+                <a:off x="4548223" y="5576796"/>
+                <a:ext cx="769470" cy="769470"/>
+                <a:chOff x="3966122" y="2139581"/>
+                <a:chExt cx="1006708" cy="1006708"/>
+              </a:xfrm>
+            </p:grpSpPr>
+            <p:pic>
+              <p:nvPicPr>
+                <p:cNvPr id="118" name="Grafik 48">
+                  <a:extLst>
+                    <a:ext uri="{FF2B5EF4-FFF2-40B4-BE49-F238E27FC236}">
+                      <a16:creationId xmlns:a16="http://schemas.microsoft.com/office/drawing/2014/main" id="{F2D8CEEF-7358-6046-BC05-75B4753C878C}"/>
+                    </a:ext>
+                  </a:extLst>
+                </p:cNvPr>
+                <p:cNvPicPr>
+                  <a:picLocks noChangeAspect="1"/>
+                </p:cNvPicPr>
+                <p:nvPr/>
+              </p:nvPicPr>
+              <p:blipFill>
+                <a:blip r:embed="rId5" cstate="email">
+                  <a:extLst>
+                    <a:ext uri="{28A0092B-C50C-407E-A947-70E740481C1C}">
+                      <a14:useLocalDpi xmlns:a14="http://schemas.microsoft.com/office/drawing/2010/main"/>
+                    </a:ext>
+                  </a:extLst>
+                </a:blip>
+                <a:stretch>
+                  <a:fillRect/>
+                </a:stretch>
+              </p:blipFill>
+              <p:spPr>
+                <a:xfrm>
+                  <a:off x="3966122" y="2139581"/>
+                  <a:ext cx="1006708" cy="1006708"/>
+                </a:xfrm>
+                <a:prstGeom prst="rect">
+                  <a:avLst/>
+                </a:prstGeom>
+              </p:spPr>
+            </p:pic>
+            <p:sp>
+              <p:nvSpPr>
+                <p:cNvPr id="119" name="Rechteck 49">
+                  <a:extLst>
+                    <a:ext uri="{FF2B5EF4-FFF2-40B4-BE49-F238E27FC236}">
+                      <a16:creationId xmlns:a16="http://schemas.microsoft.com/office/drawing/2014/main" id="{89A604FB-8F26-7549-A8C2-2E4952D45727}"/>
+                    </a:ext>
+                  </a:extLst>
+                </p:cNvPr>
+                <p:cNvSpPr/>
+                <p:nvPr/>
+              </p:nvSpPr>
+              <p:spPr>
+                <a:xfrm>
+                  <a:off x="4288268" y="2599725"/>
+                  <a:ext cx="609600" cy="282576"/>
+                </a:xfrm>
+                <a:prstGeom prst="rect">
+                  <a:avLst/>
+                </a:prstGeom>
+                <a:solidFill>
+                  <a:sysClr val="window" lastClr="FFFFFF"/>
+                </a:solidFill>
+                <a:ln w="25400" cap="flat" cmpd="sng" algn="ctr">
+                  <a:noFill/>
+                  <a:prstDash val="solid"/>
+                </a:ln>
+                <a:effectLst/>
+              </p:spPr>
+              <p:txBody>
+                <a:bodyPr rtlCol="0" anchor="ctr"/>
+                <a:lstStyle/>
+                <a:p>
+                  <a:pPr marL="0" marR="0" lvl="0" indent="0" algn="ctr" defTabSz="914400" eaLnBrk="1" fontAlgn="auto" latinLnBrk="0" hangingPunct="1">
+                    <a:lnSpc>
+                      <a:spcPct val="100000"/>
+                    </a:lnSpc>
+                    <a:spcBef>
+                      <a:spcPts val="0"/>
+                    </a:spcBef>
+                    <a:spcAft>
+                      <a:spcPts val="0"/>
+                    </a:spcAft>
+                    <a:buClr>
+                      <a:srgbClr val="000000"/>
+                    </a:buClr>
+                    <a:buSzTx/>
+                    <a:buFont typeface="Arial"/>
+                    <a:buNone/>
+                    <a:tabLst/>
+                    <a:defRPr/>
+                  </a:pPr>
+                  <a:endParaRPr kumimoji="0" lang="en-GB" sz="1050" b="0" i="0" u="none" strike="noStrike" kern="0" cap="none" spc="0" normalizeH="0" baseline="0" noProof="0">
+                    <a:ln>
+                      <a:noFill/>
+                    </a:ln>
+                    <a:solidFill>
+                      <a:srgbClr val="FFFFFF"/>
+                    </a:solidFill>
+                    <a:effectLst/>
+                    <a:uLnTx/>
+                    <a:uFillTx/>
+                    <a:latin typeface="Arial"/>
+                    <a:ea typeface="+mn-ea"/>
+                    <a:cs typeface="+mn-cs"/>
+                    <a:sym typeface="Arial"/>
+                  </a:endParaRPr>
+                </a:p>
+              </p:txBody>
+            </p:sp>
+          </p:grpSp>
+          <p:sp>
+            <p:nvSpPr>
+              <p:cNvPr id="111" name="Textfeld 51">
+                <a:extLst>
+                  <a:ext uri="{FF2B5EF4-FFF2-40B4-BE49-F238E27FC236}">
+                    <a16:creationId xmlns:a16="http://schemas.microsoft.com/office/drawing/2014/main" id="{5326D771-4046-EE4C-AACF-3390529C73C0}"/>
+                  </a:ext>
+                </a:extLst>
+              </p:cNvPr>
+              <p:cNvSpPr txBox="1"/>
+              <p:nvPr/>
+            </p:nvSpPr>
+            <p:spPr>
+              <a:xfrm>
+                <a:off x="3839759" y="6301137"/>
+                <a:ext cx="1925140" cy="298476"/>
+              </a:xfrm>
+              <a:prstGeom prst="rect">
+                <a:avLst/>
+              </a:prstGeom>
+              <a:noFill/>
+            </p:spPr>
+            <p:txBody>
+              <a:bodyPr wrap="square" rtlCol="0">
+                <a:spAutoFit/>
+              </a:bodyPr>
+              <a:lstStyle/>
+              <a:p>
+                <a:pPr marL="0" marR="0" lvl="0" indent="0" algn="ctr" defTabSz="914400" eaLnBrk="1" fontAlgn="auto" latinLnBrk="0" hangingPunct="1">
+                  <a:lnSpc>
+                    <a:spcPct val="100000"/>
+                  </a:lnSpc>
+                  <a:spcBef>
+                    <a:spcPts val="0"/>
+                  </a:spcBef>
+                  <a:spcAft>
+                    <a:spcPts val="0"/>
+                  </a:spcAft>
+                  <a:buClr>
+                    <a:srgbClr val="000000"/>
+                  </a:buClr>
+                  <a:buSzTx/>
+                  <a:buFont typeface="Arial"/>
+                  <a:buNone/>
+                  <a:tabLst/>
+                  <a:defRPr/>
+                </a:pPr>
+                <a:r>
+                  <a:rPr kumimoji="0" lang="en-GB" sz="1100" b="0" i="1" u="none" strike="noStrike" kern="0" cap="none" spc="0" normalizeH="0" baseline="0" noProof="0" dirty="0">
+                    <a:ln>
+                      <a:noFill/>
+                    </a:ln>
+                    <a:solidFill>
+                      <a:srgbClr val="000000">
+                        <a:lumMod val="75000"/>
+                        <a:lumOff val="25000"/>
+                      </a:srgbClr>
+                    </a:solidFill>
+                    <a:effectLst/>
+                    <a:uLnTx/>
+                    <a:uFillTx/>
+                    <a:latin typeface="Arial"/>
+                    <a:cs typeface="Arial"/>
+                    <a:sym typeface="Arial"/>
+                  </a:rPr>
+                  <a:t>JSON instance</a:t>
+                </a:r>
+              </a:p>
+            </p:txBody>
+          </p:sp>
+          <p:sp>
+            <p:nvSpPr>
+              <p:cNvPr id="112" name="Textfeld 52">
+                <a:extLst>
+                  <a:ext uri="{FF2B5EF4-FFF2-40B4-BE49-F238E27FC236}">
+                    <a16:creationId xmlns:a16="http://schemas.microsoft.com/office/drawing/2014/main" id="{ACDB0D44-E552-1D41-8A27-E22E3878011A}"/>
+                  </a:ext>
+                </a:extLst>
+              </p:cNvPr>
+              <p:cNvSpPr txBox="1"/>
+              <p:nvPr/>
+            </p:nvSpPr>
+            <p:spPr>
+              <a:xfrm>
+                <a:off x="5317457" y="5747469"/>
+                <a:ext cx="1873292" cy="298476"/>
+              </a:xfrm>
+              <a:prstGeom prst="rect">
+                <a:avLst/>
+              </a:prstGeom>
+              <a:noFill/>
+            </p:spPr>
+            <p:txBody>
+              <a:bodyPr wrap="square" rtlCol="0">
+                <a:spAutoFit/>
+              </a:bodyPr>
+              <a:lstStyle/>
+              <a:p>
+                <a:pPr marL="0" marR="0" lvl="0" indent="0" algn="ctr" defTabSz="914400" eaLnBrk="1" fontAlgn="auto" latinLnBrk="0" hangingPunct="1">
+                  <a:lnSpc>
+                    <a:spcPct val="100000"/>
+                  </a:lnSpc>
+                  <a:spcBef>
+                    <a:spcPts val="0"/>
+                  </a:spcBef>
+                  <a:spcAft>
+                    <a:spcPts val="0"/>
+                  </a:spcAft>
+                  <a:buClr>
+                    <a:srgbClr val="000000"/>
+                  </a:buClr>
+                  <a:buSzTx/>
+                  <a:buFont typeface="Arial"/>
+                  <a:buNone/>
+                  <a:tabLst/>
+                  <a:defRPr/>
+                </a:pPr>
+                <a:r>
+                  <a:rPr kumimoji="0" lang="en-GB" sz="1050" b="0" i="0" u="none" strike="noStrike" kern="0" cap="none" spc="0" normalizeH="0" baseline="0" noProof="0" dirty="0">
+                    <a:ln>
+                      <a:noFill/>
+                    </a:ln>
+                    <a:solidFill>
+                      <a:srgbClr val="000000"/>
+                    </a:solidFill>
+                    <a:effectLst/>
+                    <a:uLnTx/>
+                    <a:uFillTx/>
+                    <a:latin typeface="Menlo" panose="020B0609030804020204" pitchFamily="49" charset="0"/>
+                    <a:ea typeface="Menlo" panose="020B0609030804020204" pitchFamily="49" charset="0"/>
+                    <a:cs typeface="Menlo" panose="020B0609030804020204" pitchFamily="49" charset="0"/>
+                    <a:sym typeface="Arial"/>
+                  </a:rPr>
+                  <a:t>soya acquire</a:t>
+                </a:r>
+              </a:p>
+            </p:txBody>
+          </p:sp>
+          <p:sp>
+            <p:nvSpPr>
+              <p:cNvPr id="113" name="Pfeil nach links 53">
+                <a:extLst>
+                  <a:ext uri="{FF2B5EF4-FFF2-40B4-BE49-F238E27FC236}">
+                    <a16:creationId xmlns:a16="http://schemas.microsoft.com/office/drawing/2014/main" id="{B4736FDC-78C9-6042-8196-BAE04D9DA392}"/>
+                  </a:ext>
+                </a:extLst>
+              </p:cNvPr>
+              <p:cNvSpPr/>
+              <p:nvPr/>
+            </p:nvSpPr>
+            <p:spPr>
+              <a:xfrm rot="10800000">
+                <a:off x="5764899" y="6038777"/>
+                <a:ext cx="978408" cy="191172"/>
+              </a:xfrm>
+              <a:prstGeom prst="leftArrow">
+                <a:avLst/>
+              </a:prstGeom>
+              <a:solidFill>
+                <a:srgbClr val="4F81BD"/>
+              </a:solidFill>
+              <a:ln w="25400" cap="flat" cmpd="sng" algn="ctr">
+                <a:solidFill>
+                  <a:srgbClr val="4F81BD">
+                    <a:shade val="50000"/>
+                  </a:srgbClr>
+                </a:solidFill>
+                <a:prstDash val="solid"/>
+              </a:ln>
+              <a:effectLst/>
+            </p:spPr>
+            <p:txBody>
+              <a:bodyPr rtlCol="0" anchor="ctr"/>
+              <a:lstStyle/>
+              <a:p>
+                <a:pPr marL="0" marR="0" lvl="0" indent="0" algn="ctr" defTabSz="914400" eaLnBrk="1" fontAlgn="auto" latinLnBrk="0" hangingPunct="1">
+                  <a:lnSpc>
+                    <a:spcPct val="100000"/>
+                  </a:lnSpc>
+                  <a:spcBef>
+                    <a:spcPts val="0"/>
+                  </a:spcBef>
+                  <a:spcAft>
+                    <a:spcPts val="0"/>
+                  </a:spcAft>
+                  <a:buClr>
+                    <a:srgbClr val="000000"/>
+                  </a:buClr>
+                  <a:buSzTx/>
+                  <a:buFont typeface="Arial"/>
+                  <a:buNone/>
+                  <a:tabLst/>
+                  <a:defRPr/>
+                </a:pPr>
+                <a:endParaRPr kumimoji="0" lang="en-GB" sz="1050" b="0" i="0" u="none" strike="noStrike" kern="0" cap="none" spc="0" normalizeH="0" baseline="0" noProof="0">
+                  <a:ln>
+                    <a:noFill/>
+                  </a:ln>
+                  <a:solidFill>
+                    <a:srgbClr val="FFFFFF"/>
+                  </a:solidFill>
+                  <a:effectLst/>
+                  <a:uLnTx/>
+                  <a:uFillTx/>
+                  <a:latin typeface="Arial"/>
+                  <a:ea typeface="+mn-ea"/>
+                  <a:cs typeface="+mn-cs"/>
+                  <a:sym typeface="Arial"/>
+                </a:endParaRPr>
+              </a:p>
+            </p:txBody>
+          </p:sp>
+          <p:sp>
+            <p:nvSpPr>
+              <p:cNvPr id="114" name="Textfeld 55">
+                <a:extLst>
+                  <a:ext uri="{FF2B5EF4-FFF2-40B4-BE49-F238E27FC236}">
+                    <a16:creationId xmlns:a16="http://schemas.microsoft.com/office/drawing/2014/main" id="{01E82A8F-AD72-4944-9360-765B4B25890C}"/>
+                  </a:ext>
+                </a:extLst>
+              </p:cNvPr>
+              <p:cNvSpPr txBox="1"/>
+              <p:nvPr/>
+            </p:nvSpPr>
+            <p:spPr>
+              <a:xfrm>
+                <a:off x="6501238" y="6301137"/>
+                <a:ext cx="2383786" cy="298476"/>
+              </a:xfrm>
+              <a:prstGeom prst="rect">
+                <a:avLst/>
+              </a:prstGeom>
+              <a:noFill/>
+            </p:spPr>
+            <p:txBody>
+              <a:bodyPr wrap="square" rtlCol="0">
+                <a:spAutoFit/>
+              </a:bodyPr>
+              <a:lstStyle/>
+              <a:p>
+                <a:pPr marL="0" marR="0" lvl="0" indent="0" algn="ctr" defTabSz="914400" eaLnBrk="1" fontAlgn="auto" latinLnBrk="0" hangingPunct="1">
+                  <a:lnSpc>
+                    <a:spcPct val="100000"/>
+                  </a:lnSpc>
+                  <a:spcBef>
+                    <a:spcPts val="0"/>
+                  </a:spcBef>
+                  <a:spcAft>
+                    <a:spcPts val="0"/>
+                  </a:spcAft>
+                  <a:buClr>
+                    <a:srgbClr val="000000"/>
+                  </a:buClr>
+                  <a:buSzTx/>
+                  <a:buFont typeface="Arial"/>
+                  <a:buNone/>
+                  <a:tabLst/>
+                  <a:defRPr/>
+                </a:pPr>
+                <a:r>
+                  <a:rPr kumimoji="0" lang="en-GB" sz="1100" b="0" i="1" u="none" strike="noStrike" kern="0" cap="none" spc="0" normalizeH="0" baseline="0" noProof="0" dirty="0">
+                    <a:ln>
+                      <a:noFill/>
+                    </a:ln>
+                    <a:solidFill>
+                      <a:srgbClr val="000000">
+                        <a:lumMod val="75000"/>
+                        <a:lumOff val="25000"/>
+                      </a:srgbClr>
+                    </a:solidFill>
+                    <a:effectLst/>
+                    <a:uLnTx/>
+                    <a:uFillTx/>
+                    <a:latin typeface="Arial"/>
+                    <a:cs typeface="Arial"/>
+                    <a:sym typeface="Arial"/>
+                  </a:rPr>
+                  <a:t>JSON-LD instance</a:t>
+                </a:r>
+              </a:p>
+            </p:txBody>
+          </p:sp>
+          <p:pic>
+            <p:nvPicPr>
+              <p:cNvPr id="115" name="Grafik 57">
+                <a:extLst>
+                  <a:ext uri="{FF2B5EF4-FFF2-40B4-BE49-F238E27FC236}">
+                    <a16:creationId xmlns:a16="http://schemas.microsoft.com/office/drawing/2014/main" id="{D68A61F6-9905-E44C-B034-27845F912CEE}"/>
+                  </a:ext>
+                </a:extLst>
+              </p:cNvPr>
+              <p:cNvPicPr>
+                <a:picLocks noChangeAspect="1"/>
+              </p:cNvPicPr>
+              <p:nvPr/>
+            </p:nvPicPr>
+            <p:blipFill>
+              <a:blip r:embed="rId5" cstate="email">
+                <a:duotone>
+                  <a:srgbClr val="9BBB59">
+                    <a:shade val="45000"/>
+                    <a:satMod val="135000"/>
+                  </a:srgbClr>
+                  <a:prstClr val="white"/>
+                </a:duotone>
+                <a:extLst>
+                  <a:ext uri="{28A0092B-C50C-407E-A947-70E740481C1C}">
+                    <a14:useLocalDpi xmlns:a14="http://schemas.microsoft.com/office/drawing/2010/main"/>
+                  </a:ext>
+                </a:extLst>
+              </a:blip>
+              <a:stretch>
+                <a:fillRect/>
+              </a:stretch>
+            </p:blipFill>
+            <p:spPr>
+              <a:xfrm>
+                <a:off x="7380862" y="5576796"/>
+                <a:ext cx="769470" cy="769470"/>
+              </a:xfrm>
+              <a:prstGeom prst="rect">
+                <a:avLst/>
+              </a:prstGeom>
+            </p:spPr>
+          </p:pic>
+          <p:sp>
+            <p:nvSpPr>
+              <p:cNvPr id="116" name="Rechteck 58">
+                <a:extLst>
+                  <a:ext uri="{FF2B5EF4-FFF2-40B4-BE49-F238E27FC236}">
+                    <a16:creationId xmlns:a16="http://schemas.microsoft.com/office/drawing/2014/main" id="{2EEFE0E1-287D-2540-BCA8-1340853E38B4}"/>
+                  </a:ext>
+                </a:extLst>
+              </p:cNvPr>
+              <p:cNvSpPr/>
+              <p:nvPr/>
+            </p:nvSpPr>
+            <p:spPr>
+              <a:xfrm>
+                <a:off x="7627092" y="5928504"/>
+                <a:ext cx="465943" cy="215985"/>
+              </a:xfrm>
+              <a:prstGeom prst="rect">
+                <a:avLst/>
+              </a:prstGeom>
+              <a:solidFill>
+                <a:sysClr val="window" lastClr="FFFFFF"/>
+              </a:solidFill>
+              <a:ln w="25400" cap="flat" cmpd="sng" algn="ctr">
+                <a:noFill/>
+                <a:prstDash val="solid"/>
+              </a:ln>
+              <a:effectLst/>
+            </p:spPr>
+            <p:txBody>
+              <a:bodyPr rtlCol="0" anchor="ctr"/>
+              <a:lstStyle/>
+              <a:p>
+                <a:pPr marL="0" marR="0" lvl="0" indent="0" algn="ctr" defTabSz="914400" eaLnBrk="1" fontAlgn="auto" latinLnBrk="0" hangingPunct="1">
+                  <a:lnSpc>
+                    <a:spcPct val="100000"/>
+                  </a:lnSpc>
+                  <a:spcBef>
+                    <a:spcPts val="0"/>
+                  </a:spcBef>
+                  <a:spcAft>
+                    <a:spcPts val="0"/>
+                  </a:spcAft>
+                  <a:buClr>
+                    <a:srgbClr val="000000"/>
+                  </a:buClr>
+                  <a:buSzTx/>
+                  <a:buFont typeface="Arial"/>
+                  <a:buNone/>
+                  <a:tabLst/>
+                  <a:defRPr/>
+                </a:pPr>
+                <a:endParaRPr kumimoji="0" lang="en-GB" sz="1050" b="0" i="0" u="none" strike="noStrike" kern="0" cap="none" spc="0" normalizeH="0" baseline="0" noProof="0">
+                  <a:ln>
+                    <a:noFill/>
+                  </a:ln>
+                  <a:solidFill>
+                    <a:srgbClr val="FFFFFF"/>
+                  </a:solidFill>
+                  <a:effectLst/>
+                  <a:uLnTx/>
+                  <a:uFillTx/>
+                  <a:latin typeface="Arial"/>
+                  <a:ea typeface="+mn-ea"/>
+                  <a:cs typeface="+mn-cs"/>
+                  <a:sym typeface="Arial"/>
+                </a:endParaRPr>
+              </a:p>
+            </p:txBody>
+          </p:sp>
+          <p:pic>
+            <p:nvPicPr>
+              <p:cNvPr id="117" name="Grafik 59">
+                <a:extLst>
+                  <a:ext uri="{FF2B5EF4-FFF2-40B4-BE49-F238E27FC236}">
+                    <a16:creationId xmlns:a16="http://schemas.microsoft.com/office/drawing/2014/main" id="{16CB396C-36CD-7D4C-8394-B36DD9CF5E02}"/>
+                  </a:ext>
+                </a:extLst>
+              </p:cNvPr>
+              <p:cNvPicPr>
+                <a:picLocks noChangeAspect="1"/>
+              </p:cNvPicPr>
+              <p:nvPr/>
+            </p:nvPicPr>
+            <p:blipFill rotWithShape="1">
+              <a:blip r:embed="rId6" cstate="email">
+                <a:extLst>
+                  <a:ext uri="{28A0092B-C50C-407E-A947-70E740481C1C}">
+                    <a14:useLocalDpi xmlns:a14="http://schemas.microsoft.com/office/drawing/2010/main"/>
+                  </a:ext>
+                </a:extLst>
+              </a:blip>
+              <a:srcRect/>
+              <a:stretch/>
+            </p:blipFill>
+            <p:spPr>
+              <a:xfrm>
+                <a:off x="7715079" y="5928504"/>
+                <a:ext cx="285739" cy="215985"/>
+              </a:xfrm>
+              <a:prstGeom prst="rect">
+                <a:avLst/>
+              </a:prstGeom>
+            </p:spPr>
+          </p:pic>
+        </p:grpSp>
+        <p:sp>
+          <p:nvSpPr>
+            <p:cNvPr id="99" name="TextBox 98">
+              <a:extLst>
+                <a:ext uri="{FF2B5EF4-FFF2-40B4-BE49-F238E27FC236}">
+                  <a16:creationId xmlns:a16="http://schemas.microsoft.com/office/drawing/2014/main" id="{A1F1E687-818C-BD40-9C09-BE8929FFD4EA}"/>
+                </a:ext>
+              </a:extLst>
+            </p:cNvPr>
+            <p:cNvSpPr txBox="1"/>
+            <p:nvPr/>
+          </p:nvSpPr>
+          <p:spPr>
+            <a:xfrm>
+              <a:off x="7033244" y="5670857"/>
+              <a:ext cx="640481" cy="298476"/>
+            </a:xfrm>
+            <a:prstGeom prst="rect">
+              <a:avLst/>
+            </a:prstGeom>
+            <a:noFill/>
+          </p:spPr>
+          <p:txBody>
+            <a:bodyPr wrap="none" rtlCol="0">
+              <a:spAutoFit/>
+            </a:bodyPr>
+            <a:lstStyle/>
+            <a:p>
+              <a:pPr marL="0" marR="0" lvl="0" indent="0" defTabSz="914400" eaLnBrk="1" fontAlgn="auto" latinLnBrk="0" hangingPunct="1">
+                <a:lnSpc>
+                  <a:spcPct val="100000"/>
+                </a:lnSpc>
+                <a:spcBef>
+                  <a:spcPts val="0"/>
+                </a:spcBef>
+                <a:spcAft>
+                  <a:spcPts val="0"/>
+                </a:spcAft>
+                <a:buClr>
+                  <a:srgbClr val="000000"/>
+                </a:buClr>
+                <a:buSzTx/>
+                <a:buFont typeface="Arial"/>
+                <a:buNone/>
+                <a:tabLst/>
+                <a:defRPr/>
+              </a:pPr>
+              <a:r>
+                <a:rPr kumimoji="0" lang="en-US" sz="1050" b="0" i="0" u="none" strike="noStrike" kern="0" cap="none" spc="0" normalizeH="0" baseline="0" noProof="0" dirty="0">
+                  <a:ln>
+                    <a:noFill/>
+                  </a:ln>
+                  <a:solidFill>
+                    <a:srgbClr val="000000"/>
+                  </a:solidFill>
+                  <a:effectLst/>
+                  <a:uLnTx/>
+                  <a:uFillTx/>
+                  <a:latin typeface="Arial"/>
+                  <a:cs typeface="Arial"/>
+                  <a:sym typeface="Arial"/>
+                </a:rPr>
+                <a:t>JSON</a:t>
+              </a:r>
+            </a:p>
+          </p:txBody>
+        </p:sp>
+        <p:grpSp>
+          <p:nvGrpSpPr>
+            <p:cNvPr id="100" name="Gruppieren 47">
+              <a:extLst>
+                <a:ext uri="{FF2B5EF4-FFF2-40B4-BE49-F238E27FC236}">
+                  <a16:creationId xmlns:a16="http://schemas.microsoft.com/office/drawing/2014/main" id="{C79FCBD5-B6F5-DC41-B0EE-B3CF60D33C87}"/>
+                </a:ext>
+              </a:extLst>
+            </p:cNvPr>
+            <p:cNvGrpSpPr/>
+            <p:nvPr/>
+          </p:nvGrpSpPr>
+          <p:grpSpPr>
+            <a:xfrm>
+              <a:off x="1973542" y="5329802"/>
+              <a:ext cx="769470" cy="769470"/>
+              <a:chOff x="3966122" y="2139581"/>
+              <a:chExt cx="1006708" cy="1006708"/>
+            </a:xfrm>
+          </p:grpSpPr>
+          <p:pic>
+            <p:nvPicPr>
+              <p:cNvPr id="108" name="Grafik 48">
+                <a:extLst>
+                  <a:ext uri="{FF2B5EF4-FFF2-40B4-BE49-F238E27FC236}">
+                    <a16:creationId xmlns:a16="http://schemas.microsoft.com/office/drawing/2014/main" id="{234FE04F-3445-EF47-9963-9490B5F6D967}"/>
+                  </a:ext>
+                </a:extLst>
+              </p:cNvPr>
+              <p:cNvPicPr>
+                <a:picLocks noChangeAspect="1"/>
+              </p:cNvPicPr>
+              <p:nvPr/>
+            </p:nvPicPr>
+            <p:blipFill>
+              <a:blip r:embed="rId5" cstate="email">
+                <a:extLst>
+                  <a:ext uri="{28A0092B-C50C-407E-A947-70E740481C1C}">
+                    <a14:useLocalDpi xmlns:a14="http://schemas.microsoft.com/office/drawing/2010/main"/>
+                  </a:ext>
+                </a:extLst>
+              </a:blip>
+              <a:stretch>
+                <a:fillRect/>
+              </a:stretch>
+            </p:blipFill>
+            <p:spPr>
+              <a:xfrm>
+                <a:off x="3966122" y="2139581"/>
+                <a:ext cx="1006708" cy="1006708"/>
+              </a:xfrm>
+              <a:prstGeom prst="rect">
+                <a:avLst/>
+              </a:prstGeom>
+            </p:spPr>
+          </p:pic>
+          <p:sp>
+            <p:nvSpPr>
+              <p:cNvPr id="109" name="Rechteck 49">
+                <a:extLst>
+                  <a:ext uri="{FF2B5EF4-FFF2-40B4-BE49-F238E27FC236}">
+                    <a16:creationId xmlns:a16="http://schemas.microsoft.com/office/drawing/2014/main" id="{C1F6FB00-B273-B24C-8287-F871E72B7378}"/>
+                  </a:ext>
+                </a:extLst>
+              </p:cNvPr>
+              <p:cNvSpPr/>
+              <p:nvPr/>
+            </p:nvSpPr>
+            <p:spPr>
+              <a:xfrm>
+                <a:off x="4288268" y="2599725"/>
+                <a:ext cx="609600" cy="282576"/>
+              </a:xfrm>
+              <a:prstGeom prst="rect">
+                <a:avLst/>
+              </a:prstGeom>
+              <a:solidFill>
+                <a:sysClr val="window" lastClr="FFFFFF"/>
+              </a:solidFill>
+              <a:ln w="25400" cap="flat" cmpd="sng" algn="ctr">
+                <a:noFill/>
+                <a:prstDash val="solid"/>
+              </a:ln>
+              <a:effectLst/>
+            </p:spPr>
+            <p:txBody>
+              <a:bodyPr rtlCol="0" anchor="ctr"/>
+              <a:lstStyle/>
+              <a:p>
+                <a:pPr marL="0" marR="0" lvl="0" indent="0" algn="ctr" defTabSz="914400" eaLnBrk="1" fontAlgn="auto" latinLnBrk="0" hangingPunct="1">
+                  <a:lnSpc>
+                    <a:spcPct val="100000"/>
+                  </a:lnSpc>
+                  <a:spcBef>
+                    <a:spcPts val="0"/>
+                  </a:spcBef>
+                  <a:spcAft>
+                    <a:spcPts val="0"/>
+                  </a:spcAft>
+                  <a:buClr>
+                    <a:srgbClr val="000000"/>
+                  </a:buClr>
+                  <a:buSzTx/>
+                  <a:buFont typeface="Arial"/>
+                  <a:buNone/>
+                  <a:tabLst/>
+                  <a:defRPr/>
+                </a:pPr>
+                <a:endParaRPr kumimoji="0" lang="en-GB" sz="1050" b="0" i="0" u="none" strike="noStrike" kern="0" cap="none" spc="0" normalizeH="0" baseline="0" noProof="0">
+                  <a:ln>
+                    <a:noFill/>
+                  </a:ln>
+                  <a:solidFill>
+                    <a:srgbClr val="FFFFFF"/>
+                  </a:solidFill>
+                  <a:effectLst/>
+                  <a:uLnTx/>
+                  <a:uFillTx/>
+                  <a:latin typeface="Arial"/>
+                  <a:ea typeface="+mn-ea"/>
+                  <a:cs typeface="+mn-cs"/>
+                  <a:sym typeface="Arial"/>
+                </a:endParaRPr>
+              </a:p>
+            </p:txBody>
+          </p:sp>
+        </p:grpSp>
+        <p:sp>
+          <p:nvSpPr>
+            <p:cNvPr id="101" name="Textfeld 51">
+              <a:extLst>
+                <a:ext uri="{FF2B5EF4-FFF2-40B4-BE49-F238E27FC236}">
+                  <a16:creationId xmlns:a16="http://schemas.microsoft.com/office/drawing/2014/main" id="{E4CF4E07-7D68-1B4B-860B-8DF0BC09071C}"/>
+                </a:ext>
+              </a:extLst>
+            </p:cNvPr>
+            <p:cNvSpPr txBox="1"/>
+            <p:nvPr/>
+          </p:nvSpPr>
+          <p:spPr>
+            <a:xfrm>
+              <a:off x="1423338" y="6054142"/>
+              <a:ext cx="1608620" cy="298476"/>
+            </a:xfrm>
+            <a:prstGeom prst="rect">
+              <a:avLst/>
+            </a:prstGeom>
+            <a:noFill/>
+          </p:spPr>
+          <p:txBody>
+            <a:bodyPr wrap="square" rtlCol="0">
+              <a:spAutoFit/>
+            </a:bodyPr>
+            <a:lstStyle/>
+            <a:p>
+              <a:pPr marL="0" marR="0" lvl="0" indent="0" algn="ctr" defTabSz="914400" eaLnBrk="1" fontAlgn="auto" latinLnBrk="0" hangingPunct="1">
+                <a:lnSpc>
+                  <a:spcPct val="100000"/>
+                </a:lnSpc>
+                <a:spcBef>
+                  <a:spcPts val="0"/>
+                </a:spcBef>
+                <a:spcAft>
+                  <a:spcPts val="0"/>
+                </a:spcAft>
+                <a:buClr>
+                  <a:srgbClr val="000000"/>
+                </a:buClr>
+                <a:buSzTx/>
+                <a:buFont typeface="Arial"/>
+                <a:buNone/>
+                <a:tabLst/>
+                <a:defRPr/>
+              </a:pPr>
+              <a:r>
+                <a:rPr kumimoji="0" lang="en-GB" sz="1100" b="0" i="1" u="none" strike="noStrike" kern="0" cap="none" spc="0" normalizeH="0" baseline="0" noProof="0" dirty="0">
+                  <a:ln>
+                    <a:noFill/>
+                  </a:ln>
+                  <a:solidFill>
+                    <a:srgbClr val="000000">
+                      <a:lumMod val="75000"/>
+                      <a:lumOff val="25000"/>
+                    </a:srgbClr>
+                  </a:solidFill>
+                  <a:effectLst/>
+                  <a:uLnTx/>
+                  <a:uFillTx/>
+                  <a:latin typeface="Arial"/>
+                  <a:cs typeface="Arial"/>
+                  <a:sym typeface="Arial"/>
+                </a:rPr>
+                <a:t>SOyA structure</a:t>
+              </a:r>
+            </a:p>
+          </p:txBody>
+        </p:sp>
+        <p:sp>
+          <p:nvSpPr>
+            <p:cNvPr id="102" name="Textfeld 52">
+              <a:extLst>
+                <a:ext uri="{FF2B5EF4-FFF2-40B4-BE49-F238E27FC236}">
+                  <a16:creationId xmlns:a16="http://schemas.microsoft.com/office/drawing/2014/main" id="{C46EF401-5534-AF47-872D-987BF036A96D}"/>
+                </a:ext>
+              </a:extLst>
+            </p:cNvPr>
+            <p:cNvSpPr txBox="1"/>
+            <p:nvPr/>
+          </p:nvSpPr>
+          <p:spPr>
+            <a:xfrm>
+              <a:off x="2742776" y="5500475"/>
+              <a:ext cx="1873292" cy="298476"/>
+            </a:xfrm>
+            <a:prstGeom prst="rect">
+              <a:avLst/>
+            </a:prstGeom>
+            <a:noFill/>
+          </p:spPr>
+          <p:txBody>
+            <a:bodyPr wrap="square" rtlCol="0">
+              <a:spAutoFit/>
+            </a:bodyPr>
+            <a:lstStyle/>
+            <a:p>
+              <a:pPr marL="0" marR="0" lvl="0" indent="0" algn="ctr" defTabSz="914400" eaLnBrk="1" fontAlgn="auto" latinLnBrk="0" hangingPunct="1">
+                <a:lnSpc>
+                  <a:spcPct val="100000"/>
+                </a:lnSpc>
+                <a:spcBef>
+                  <a:spcPts val="0"/>
+                </a:spcBef>
+                <a:spcAft>
+                  <a:spcPts val="0"/>
+                </a:spcAft>
+                <a:buClr>
+                  <a:srgbClr val="000000"/>
+                </a:buClr>
+                <a:buSzTx/>
+                <a:buFont typeface="Arial"/>
+                <a:buNone/>
+                <a:tabLst/>
+                <a:defRPr/>
+              </a:pPr>
+              <a:r>
+                <a:rPr kumimoji="0" lang="en-GB" sz="1050" b="0" i="0" u="none" strike="noStrike" kern="0" cap="none" spc="0" normalizeH="0" baseline="0" noProof="0" dirty="0">
+                  <a:ln>
+                    <a:noFill/>
+                  </a:ln>
+                  <a:solidFill>
+                    <a:srgbClr val="000000"/>
+                  </a:solidFill>
+                  <a:effectLst/>
+                  <a:uLnTx/>
+                  <a:uFillTx/>
+                  <a:latin typeface="Menlo" panose="020B0609030804020204" pitchFamily="49" charset="0"/>
+                  <a:ea typeface="Menlo" panose="020B0609030804020204" pitchFamily="49" charset="0"/>
+                  <a:cs typeface="Menlo" panose="020B0609030804020204" pitchFamily="49" charset="0"/>
+                  <a:sym typeface="Arial"/>
+                </a:rPr>
+                <a:t>soya form</a:t>
+              </a:r>
+            </a:p>
+          </p:txBody>
+        </p:sp>
+        <p:sp>
+          <p:nvSpPr>
+            <p:cNvPr id="103" name="Pfeil nach links 53">
+              <a:extLst>
+                <a:ext uri="{FF2B5EF4-FFF2-40B4-BE49-F238E27FC236}">
+                  <a16:creationId xmlns:a16="http://schemas.microsoft.com/office/drawing/2014/main" id="{39E511F1-FFD9-6648-9DF1-611D07330203}"/>
+                </a:ext>
+              </a:extLst>
+            </p:cNvPr>
+            <p:cNvSpPr/>
+            <p:nvPr/>
+          </p:nvSpPr>
+          <p:spPr>
+            <a:xfrm rot="10800000">
+              <a:off x="3190218" y="5791783"/>
+              <a:ext cx="978408" cy="191172"/>
+            </a:xfrm>
+            <a:prstGeom prst="leftArrow">
+              <a:avLst/>
+            </a:prstGeom>
+            <a:solidFill>
+              <a:srgbClr val="4F81BD"/>
+            </a:solidFill>
+            <a:ln w="25400" cap="flat" cmpd="sng" algn="ctr">
+              <a:solidFill>
+                <a:srgbClr val="4F81BD">
+                  <a:shade val="50000"/>
+                </a:srgbClr>
+              </a:solidFill>
+              <a:prstDash val="solid"/>
+            </a:ln>
+            <a:effectLst/>
+          </p:spPr>
+          <p:txBody>
+            <a:bodyPr rtlCol="0" anchor="ctr"/>
+            <a:lstStyle/>
+            <a:p>
+              <a:pPr marL="0" marR="0" lvl="0" indent="0" algn="ctr" defTabSz="914400" eaLnBrk="1" fontAlgn="auto" latinLnBrk="0" hangingPunct="1">
+                <a:lnSpc>
+                  <a:spcPct val="100000"/>
+                </a:lnSpc>
+                <a:spcBef>
+                  <a:spcPts val="0"/>
+                </a:spcBef>
+                <a:spcAft>
+                  <a:spcPts val="0"/>
+                </a:spcAft>
+                <a:buClr>
+                  <a:srgbClr val="000000"/>
+                </a:buClr>
+                <a:buSzTx/>
+                <a:buFont typeface="Arial"/>
+                <a:buNone/>
+                <a:tabLst/>
+                <a:defRPr/>
+              </a:pPr>
+              <a:endParaRPr kumimoji="0" lang="en-GB" sz="1050" b="0" i="0" u="none" strike="noStrike" kern="0" cap="none" spc="0" normalizeH="0" baseline="0" noProof="0">
+                <a:ln>
+                  <a:noFill/>
+                </a:ln>
+                <a:solidFill>
+                  <a:srgbClr val="FFFFFF"/>
+                </a:solidFill>
+                <a:effectLst/>
+                <a:uLnTx/>
+                <a:uFillTx/>
+                <a:latin typeface="Arial"/>
+                <a:ea typeface="+mn-ea"/>
+                <a:cs typeface="+mn-cs"/>
+                <a:sym typeface="Arial"/>
+              </a:endParaRPr>
+            </a:p>
+          </p:txBody>
+        </p:sp>
+        <p:sp>
+          <p:nvSpPr>
+            <p:cNvPr id="104" name="Textfeld 55">
+              <a:extLst>
+                <a:ext uri="{FF2B5EF4-FFF2-40B4-BE49-F238E27FC236}">
+                  <a16:creationId xmlns:a16="http://schemas.microsoft.com/office/drawing/2014/main" id="{5E1F7AE2-43A8-464C-9A10-B06F1128C37B}"/>
+                </a:ext>
+              </a:extLst>
+            </p:cNvPr>
+            <p:cNvSpPr txBox="1"/>
+            <p:nvPr/>
+          </p:nvSpPr>
+          <p:spPr>
+            <a:xfrm>
+              <a:off x="4303650" y="6054142"/>
+              <a:ext cx="1626237" cy="298476"/>
+            </a:xfrm>
+            <a:prstGeom prst="rect">
+              <a:avLst/>
+            </a:prstGeom>
+            <a:noFill/>
+          </p:spPr>
+          <p:txBody>
+            <a:bodyPr wrap="square" rtlCol="0">
+              <a:spAutoFit/>
+            </a:bodyPr>
+            <a:lstStyle/>
+            <a:p>
+              <a:pPr marL="0" marR="0" lvl="0" indent="0" algn="ctr" defTabSz="914400" eaLnBrk="1" fontAlgn="auto" latinLnBrk="0" hangingPunct="1">
+                <a:lnSpc>
+                  <a:spcPct val="100000"/>
+                </a:lnSpc>
+                <a:spcBef>
+                  <a:spcPts val="0"/>
+                </a:spcBef>
+                <a:spcAft>
+                  <a:spcPts val="0"/>
+                </a:spcAft>
+                <a:buClr>
+                  <a:srgbClr val="000000"/>
+                </a:buClr>
+                <a:buSzTx/>
+                <a:buFont typeface="Arial"/>
+                <a:buNone/>
+                <a:tabLst/>
+                <a:defRPr/>
+              </a:pPr>
+              <a:r>
+                <a:rPr kumimoji="0" lang="en-GB" sz="1100" b="0" i="1" u="none" strike="noStrike" kern="0" cap="none" spc="0" normalizeH="0" baseline="0" noProof="0" dirty="0">
+                  <a:ln>
+                    <a:noFill/>
+                  </a:ln>
+                  <a:solidFill>
+                    <a:srgbClr val="000000">
+                      <a:lumMod val="75000"/>
+                      <a:lumOff val="25000"/>
+                    </a:srgbClr>
+                  </a:solidFill>
+                  <a:effectLst/>
+                  <a:uLnTx/>
+                  <a:uFillTx/>
+                  <a:latin typeface="Arial"/>
+                  <a:cs typeface="Arial"/>
+                  <a:sym typeface="Arial"/>
+                </a:rPr>
+                <a:t>JSON Forms</a:t>
+              </a:r>
+            </a:p>
+          </p:txBody>
+        </p:sp>
+        <p:sp>
+          <p:nvSpPr>
+            <p:cNvPr id="105" name="Rechteck 58">
+              <a:extLst>
+                <a:ext uri="{FF2B5EF4-FFF2-40B4-BE49-F238E27FC236}">
+                  <a16:creationId xmlns:a16="http://schemas.microsoft.com/office/drawing/2014/main" id="{7019FBB8-8EA3-D745-AFBB-83D2CFA2E5DD}"/>
+                </a:ext>
+              </a:extLst>
+            </p:cNvPr>
+            <p:cNvSpPr/>
+            <p:nvPr/>
+          </p:nvSpPr>
+          <p:spPr>
+            <a:xfrm>
+              <a:off x="5052411" y="5681510"/>
+              <a:ext cx="465943" cy="215985"/>
+            </a:xfrm>
+            <a:prstGeom prst="rect">
+              <a:avLst/>
+            </a:prstGeom>
+            <a:solidFill>
+              <a:sysClr val="window" lastClr="FFFFFF"/>
+            </a:solidFill>
+            <a:ln w="25400" cap="flat" cmpd="sng" algn="ctr">
+              <a:noFill/>
+              <a:prstDash val="solid"/>
+            </a:ln>
+            <a:effectLst/>
+          </p:spPr>
+          <p:txBody>
+            <a:bodyPr rtlCol="0" anchor="ctr"/>
+            <a:lstStyle/>
+            <a:p>
+              <a:pPr marL="0" marR="0" lvl="0" indent="0" algn="ctr" defTabSz="914400" eaLnBrk="1" fontAlgn="auto" latinLnBrk="0" hangingPunct="1">
+                <a:lnSpc>
+                  <a:spcPct val="100000"/>
+                </a:lnSpc>
+                <a:spcBef>
+                  <a:spcPts val="0"/>
+                </a:spcBef>
+                <a:spcAft>
+                  <a:spcPts val="0"/>
+                </a:spcAft>
+                <a:buClr>
+                  <a:srgbClr val="000000"/>
+                </a:buClr>
+                <a:buSzTx/>
+                <a:buFont typeface="Arial"/>
+                <a:buNone/>
+                <a:tabLst/>
+                <a:defRPr/>
+              </a:pPr>
+              <a:endParaRPr kumimoji="0" lang="en-GB" sz="1050" b="0" i="0" u="none" strike="noStrike" kern="0" cap="none" spc="0" normalizeH="0" baseline="0" noProof="0">
+                <a:ln>
+                  <a:noFill/>
+                </a:ln>
+                <a:solidFill>
+                  <a:srgbClr val="FFFFFF"/>
+                </a:solidFill>
+                <a:effectLst/>
+                <a:uLnTx/>
+                <a:uFillTx/>
+                <a:latin typeface="Arial"/>
+                <a:ea typeface="+mn-ea"/>
+                <a:cs typeface="+mn-cs"/>
+                <a:sym typeface="Arial"/>
+              </a:endParaRPr>
+            </a:p>
+          </p:txBody>
+        </p:sp>
+        <p:pic>
+          <p:nvPicPr>
+            <p:cNvPr id="106" name="Picture 105">
+              <a:extLst>
+                <a:ext uri="{FF2B5EF4-FFF2-40B4-BE49-F238E27FC236}">
+                  <a16:creationId xmlns:a16="http://schemas.microsoft.com/office/drawing/2014/main" id="{2C81964C-2E77-4645-B402-0A310AC3B752}"/>
+                </a:ext>
+              </a:extLst>
+            </p:cNvPr>
+            <p:cNvPicPr>
+              <a:picLocks noChangeAspect="1"/>
+            </p:cNvPicPr>
+            <p:nvPr/>
+          </p:nvPicPr>
+          <p:blipFill>
+            <a:blip r:embed="rId9" cstate="email">
+              <a:duotone>
+                <a:srgbClr val="9BBB59">
+                  <a:shade val="45000"/>
+                  <a:satMod val="135000"/>
+                </a:srgbClr>
+                <a:prstClr val="white"/>
+              </a:duotone>
+              <a:extLst>
+                <a:ext uri="{28A0092B-C50C-407E-A947-70E740481C1C}">
+                  <a14:useLocalDpi xmlns:a14="http://schemas.microsoft.com/office/drawing/2010/main"/>
+                </a:ext>
+              </a:extLst>
+            </a:blip>
+            <a:stretch>
+              <a:fillRect/>
+            </a:stretch>
+          </p:blipFill>
+          <p:spPr>
+            <a:xfrm>
+              <a:off x="4519612" y="5305399"/>
+              <a:ext cx="1194312" cy="757108"/>
+            </a:xfrm>
+            <a:prstGeom prst="rect">
+              <a:avLst/>
+            </a:prstGeom>
+          </p:spPr>
+        </p:pic>
+        <p:sp>
+          <p:nvSpPr>
+            <p:cNvPr id="107" name="TextBox 106">
+              <a:extLst>
+                <a:ext uri="{FF2B5EF4-FFF2-40B4-BE49-F238E27FC236}">
+                  <a16:creationId xmlns:a16="http://schemas.microsoft.com/office/drawing/2014/main" id="{2D4EE701-F571-0947-B142-35E1E7570C5F}"/>
+                </a:ext>
+              </a:extLst>
+            </p:cNvPr>
+            <p:cNvSpPr txBox="1"/>
+            <p:nvPr/>
+          </p:nvSpPr>
+          <p:spPr>
+            <a:xfrm>
+              <a:off x="2123882" y="5648607"/>
+              <a:ext cx="631337" cy="298476"/>
+            </a:xfrm>
+            <a:prstGeom prst="rect">
+              <a:avLst/>
+            </a:prstGeom>
+            <a:noFill/>
+          </p:spPr>
+          <p:txBody>
+            <a:bodyPr wrap="none" rtlCol="0">
+              <a:spAutoFit/>
+            </a:bodyPr>
+            <a:lstStyle/>
+            <a:p>
+              <a:pPr marL="0" marR="0" lvl="0" indent="0" defTabSz="914400" eaLnBrk="1" fontAlgn="auto" latinLnBrk="0" hangingPunct="1">
+                <a:lnSpc>
+                  <a:spcPct val="100000"/>
+                </a:lnSpc>
+                <a:spcBef>
+                  <a:spcPts val="0"/>
+                </a:spcBef>
+                <a:spcAft>
+                  <a:spcPts val="0"/>
+                </a:spcAft>
+                <a:buClr>
+                  <a:srgbClr val="000000"/>
+                </a:buClr>
+                <a:buSzTx/>
+                <a:buFont typeface="Arial"/>
+                <a:buNone/>
+                <a:tabLst/>
+                <a:defRPr/>
+              </a:pPr>
+              <a:r>
+                <a:rPr kumimoji="0" lang="en-US" sz="1050" b="0" i="0" u="none" strike="noStrike" kern="0" cap="none" spc="0" normalizeH="0" baseline="0" noProof="0" dirty="0">
+                  <a:ln>
+                    <a:noFill/>
+                  </a:ln>
+                  <a:solidFill>
+                    <a:srgbClr val="000000"/>
+                  </a:solidFill>
+                  <a:effectLst/>
+                  <a:uLnTx/>
+                  <a:uFillTx/>
+                  <a:latin typeface="Arial"/>
+                  <a:cs typeface="Arial"/>
+                  <a:sym typeface="Arial"/>
+                </a:rPr>
+                <a:t>SOyA</a:t>
+              </a:r>
+            </a:p>
+          </p:txBody>
+        </p:sp>
+      </p:grpSp>
+      <p:sp>
+        <p:nvSpPr>
+          <p:cNvPr id="140" name="Rectangle 139">
+            <a:extLst>
+              <a:ext uri="{FF2B5EF4-FFF2-40B4-BE49-F238E27FC236}">
+                <a16:creationId xmlns:a16="http://schemas.microsoft.com/office/drawing/2014/main" id="{77854690-CB13-1D4E-B53D-D59A4F83E04D}"/>
+              </a:ext>
+            </a:extLst>
+          </p:cNvPr>
+          <p:cNvSpPr/>
+          <p:nvPr/>
+        </p:nvSpPr>
+        <p:spPr>
+          <a:xfrm>
+            <a:off x="4223796" y="393085"/>
+            <a:ext cx="4038285" cy="584775"/>
+          </a:xfrm>
+          <a:prstGeom prst="rect">
+            <a:avLst/>
+          </a:prstGeom>
+        </p:spPr>
+        <p:txBody>
+          <a:bodyPr wrap="none">
+            <a:spAutoFit/>
+          </a:bodyPr>
+          <a:lstStyle/>
+          <a:p>
+            <a:pPr>
+              <a:spcBef>
+                <a:spcPts val="600"/>
+              </a:spcBef>
+              <a:buClr>
+                <a:srgbClr val="000000"/>
+              </a:buClr>
+              <a:buSzPts val="3200"/>
+            </a:pPr>
+            <a:r>
+              <a:rPr lang="en-GB" sz="3200" kern="0" dirty="0">
+                <a:solidFill>
+                  <a:srgbClr val="000000"/>
+                </a:solidFill>
+                <a:cs typeface="Calibri"/>
+                <a:sym typeface="Calibri"/>
+              </a:rPr>
+              <a:t>Authoring</a:t>
+            </a:r>
+            <a:r>
+              <a:rPr lang="de-DE" sz="3200" kern="0" dirty="0">
+                <a:solidFill>
+                  <a:srgbClr val="000000"/>
+                </a:solidFill>
+                <a:cs typeface="Calibri"/>
+                <a:sym typeface="Calibri"/>
+              </a:rPr>
+              <a:t> &amp; Publishing</a:t>
+            </a:r>
+          </a:p>
+        </p:txBody>
+      </p:sp>
+      <p:sp>
+        <p:nvSpPr>
+          <p:cNvPr id="141" name="Rectangle 140">
+            <a:extLst>
+              <a:ext uri="{FF2B5EF4-FFF2-40B4-BE49-F238E27FC236}">
+                <a16:creationId xmlns:a16="http://schemas.microsoft.com/office/drawing/2014/main" id="{DE8455D5-C377-C641-A393-3DB847649F04}"/>
+              </a:ext>
+            </a:extLst>
+          </p:cNvPr>
+          <p:cNvSpPr/>
+          <p:nvPr/>
+        </p:nvSpPr>
+        <p:spPr>
+          <a:xfrm>
+            <a:off x="4194140" y="3436202"/>
+            <a:ext cx="4097597" cy="584775"/>
+          </a:xfrm>
+          <a:prstGeom prst="rect">
+            <a:avLst/>
+          </a:prstGeom>
+        </p:spPr>
+        <p:txBody>
+          <a:bodyPr wrap="none">
+            <a:spAutoFit/>
+          </a:bodyPr>
+          <a:lstStyle/>
+          <a:p>
+            <a:pPr>
+              <a:spcBef>
+                <a:spcPts val="600"/>
+              </a:spcBef>
+              <a:buClr>
+                <a:srgbClr val="000000"/>
+              </a:buClr>
+              <a:buSzPts val="3200"/>
+            </a:pPr>
+            <a:r>
+              <a:rPr lang="en-GB" sz="3200" kern="0" dirty="0">
+                <a:solidFill>
+                  <a:srgbClr val="000000"/>
+                </a:solidFill>
+                <a:cs typeface="Calibri"/>
+                <a:sym typeface="Calibri"/>
+              </a:rPr>
+              <a:t>Working with Instances</a:t>
+            </a:r>
+          </a:p>
+        </p:txBody>
+      </p:sp>
+    </p:spTree>
+    <p:extLst>
+      <p:ext uri="{BB962C8B-B14F-4D97-AF65-F5344CB8AC3E}">
+        <p14:creationId xmlns:p14="http://schemas.microsoft.com/office/powerpoint/2010/main" val="191736565"/>
+      </p:ext>
+    </p:extLst>
+  </p:cSld>
+  <p:clrMapOvr>
+    <a:masterClrMapping/>
+  </p:clrMapOvr>
+</p:sld>
+</file>
+
 <file path=ppt/theme/theme1.xml><?xml version="1.0" encoding="utf-8"?>
 <a:theme xmlns:a="http://schemas.openxmlformats.org/drawingml/2006/main" name="Office Theme">
   <a:themeElements>
